--- a/design/design.pptx
+++ b/design/design.pptx
@@ -17,6 +17,7 @@
     <p:sldId id="264" r:id="rId17"/>
     <p:sldId id="265" r:id="rId18"/>
     <p:sldId id="267" r:id="rId19"/>
+    <p:sldId id="268" r:id="rId20"/>
   </p:sldIdLst>
   <p:sldSz cx="12192000" cy="6858000"/>
   <p:notesSz cx="6858000" cy="9144000"/>
@@ -115,6 +116,11 @@
       </a:defRPr>
     </a:lvl9pPr>
   </p:defaultTextStyle>
+  <p:extLst>
+    <p:ext uri="{EFAFB233-063F-42B5-8137-9DF3F51BA10A}">
+      <p15:sldGuideLst xmlns:p15="http://schemas.microsoft.com/office/powerpoint/2012/main"/>
+    </p:ext>
+  </p:extLst>
 </p:presentation>
 </file>
 
@@ -304,7 +310,7 @@
           <a:p>
             <a:fld id="{6B2EB65D-1D6A-4281-947F-EBD5305BD43D}" type="datetimeFigureOut">
               <a:rPr kumimoji="1" lang="ja-JP" altLang="en-US" smtClean="0"/>
-              <a:t>2016/9/29</a:t>
+              <a:t>2016/9/30</a:t>
             </a:fld>
             <a:endParaRPr kumimoji="1" lang="ja-JP" altLang="en-US"/>
           </a:p>
@@ -579,7 +585,7 @@
           <a:p>
             <a:fld id="{6B2EB65D-1D6A-4281-947F-EBD5305BD43D}" type="datetimeFigureOut">
               <a:rPr kumimoji="1" lang="ja-JP" altLang="en-US" smtClean="0"/>
-              <a:t>2016/9/29</a:t>
+              <a:t>2016/9/30</a:t>
             </a:fld>
             <a:endParaRPr kumimoji="1" lang="ja-JP" altLang="en-US"/>
           </a:p>
@@ -773,7 +779,7 @@
           <a:p>
             <a:fld id="{6B2EB65D-1D6A-4281-947F-EBD5305BD43D}" type="datetimeFigureOut">
               <a:rPr kumimoji="1" lang="ja-JP" altLang="en-US" smtClean="0"/>
-              <a:t>2016/9/29</a:t>
+              <a:t>2016/9/30</a:t>
             </a:fld>
             <a:endParaRPr kumimoji="1" lang="ja-JP" altLang="en-US"/>
           </a:p>
@@ -1046,7 +1052,7 @@
           <a:p>
             <a:fld id="{6B2EB65D-1D6A-4281-947F-EBD5305BD43D}" type="datetimeFigureOut">
               <a:rPr kumimoji="1" lang="ja-JP" altLang="en-US" smtClean="0"/>
-              <a:t>2016/9/29</a:t>
+              <a:t>2016/9/30</a:t>
             </a:fld>
             <a:endParaRPr kumimoji="1" lang="ja-JP" altLang="en-US"/>
           </a:p>
@@ -1387,7 +1393,7 @@
           <a:p>
             <a:fld id="{6B2EB65D-1D6A-4281-947F-EBD5305BD43D}" type="datetimeFigureOut">
               <a:rPr kumimoji="1" lang="ja-JP" altLang="en-US" smtClean="0"/>
-              <a:t>2016/9/29</a:t>
+              <a:t>2016/9/30</a:t>
             </a:fld>
             <a:endParaRPr kumimoji="1" lang="ja-JP" altLang="en-US"/>
           </a:p>
@@ -2010,7 +2016,7 @@
           <a:p>
             <a:fld id="{6B2EB65D-1D6A-4281-947F-EBD5305BD43D}" type="datetimeFigureOut">
               <a:rPr kumimoji="1" lang="ja-JP" altLang="en-US" smtClean="0"/>
-              <a:t>2016/9/29</a:t>
+              <a:t>2016/9/30</a:t>
             </a:fld>
             <a:endParaRPr kumimoji="1" lang="ja-JP" altLang="en-US"/>
           </a:p>
@@ -2870,7 +2876,7 @@
           <a:p>
             <a:fld id="{6B2EB65D-1D6A-4281-947F-EBD5305BD43D}" type="datetimeFigureOut">
               <a:rPr kumimoji="1" lang="ja-JP" altLang="en-US" smtClean="0"/>
-              <a:t>2016/9/29</a:t>
+              <a:t>2016/9/30</a:t>
             </a:fld>
             <a:endParaRPr kumimoji="1" lang="ja-JP" altLang="en-US"/>
           </a:p>
@@ -3072,7 +3078,7 @@
           <a:p>
             <a:fld id="{6B2EB65D-1D6A-4281-947F-EBD5305BD43D}" type="datetimeFigureOut">
               <a:rPr kumimoji="1" lang="ja-JP" altLang="en-US" smtClean="0"/>
-              <a:t>2016/9/29</a:t>
+              <a:t>2016/9/30</a:t>
             </a:fld>
             <a:endParaRPr kumimoji="1" lang="ja-JP" altLang="en-US"/>
           </a:p>
@@ -3284,7 +3290,7 @@
           <a:p>
             <a:fld id="{6B2EB65D-1D6A-4281-947F-EBD5305BD43D}" type="datetimeFigureOut">
               <a:rPr kumimoji="1" lang="ja-JP" altLang="en-US" smtClean="0"/>
-              <a:t>2016/9/29</a:t>
+              <a:t>2016/9/30</a:t>
             </a:fld>
             <a:endParaRPr kumimoji="1" lang="ja-JP" altLang="en-US"/>
           </a:p>
@@ -3486,7 +3492,7 @@
           <a:p>
             <a:fld id="{6B2EB65D-1D6A-4281-947F-EBD5305BD43D}" type="datetimeFigureOut">
               <a:rPr kumimoji="1" lang="ja-JP" altLang="en-US" smtClean="0"/>
-              <a:t>2016/9/29</a:t>
+              <a:t>2016/9/30</a:t>
             </a:fld>
             <a:endParaRPr kumimoji="1" lang="ja-JP" altLang="en-US"/>
           </a:p>
@@ -3733,7 +3739,7 @@
           <a:p>
             <a:fld id="{6B2EB65D-1D6A-4281-947F-EBD5305BD43D}" type="datetimeFigureOut">
               <a:rPr kumimoji="1" lang="ja-JP" altLang="en-US" smtClean="0"/>
-              <a:t>2016/9/29</a:t>
+              <a:t>2016/9/30</a:t>
             </a:fld>
             <a:endParaRPr kumimoji="1" lang="ja-JP" altLang="en-US"/>
           </a:p>
@@ -4089,7 +4095,7 @@
           <a:p>
             <a:fld id="{6B2EB65D-1D6A-4281-947F-EBD5305BD43D}" type="datetimeFigureOut">
               <a:rPr kumimoji="1" lang="ja-JP" altLang="en-US" smtClean="0"/>
-              <a:t>2016/9/29</a:t>
+              <a:t>2016/9/30</a:t>
             </a:fld>
             <a:endParaRPr kumimoji="1" lang="ja-JP" altLang="en-US"/>
           </a:p>
@@ -4597,7 +4603,7 @@
           <a:p>
             <a:fld id="{6B2EB65D-1D6A-4281-947F-EBD5305BD43D}" type="datetimeFigureOut">
               <a:rPr kumimoji="1" lang="ja-JP" altLang="en-US" smtClean="0"/>
-              <a:t>2016/9/29</a:t>
+              <a:t>2016/9/30</a:t>
             </a:fld>
             <a:endParaRPr kumimoji="1" lang="ja-JP" altLang="en-US"/>
           </a:p>
@@ -4715,7 +4721,7 @@
           <a:p>
             <a:fld id="{6B2EB65D-1D6A-4281-947F-EBD5305BD43D}" type="datetimeFigureOut">
               <a:rPr kumimoji="1" lang="ja-JP" altLang="en-US" smtClean="0"/>
-              <a:t>2016/9/29</a:t>
+              <a:t>2016/9/30</a:t>
             </a:fld>
             <a:endParaRPr kumimoji="1" lang="ja-JP" altLang="en-US"/>
           </a:p>
@@ -4810,7 +4816,7 @@
           <a:p>
             <a:fld id="{6B2EB65D-1D6A-4281-947F-EBD5305BD43D}" type="datetimeFigureOut">
               <a:rPr kumimoji="1" lang="ja-JP" altLang="en-US" smtClean="0"/>
-              <a:t>2016/9/29</a:t>
+              <a:t>2016/9/30</a:t>
             </a:fld>
             <a:endParaRPr kumimoji="1" lang="ja-JP" altLang="en-US"/>
           </a:p>
@@ -5121,7 +5127,7 @@
           <a:p>
             <a:fld id="{6B2EB65D-1D6A-4281-947F-EBD5305BD43D}" type="datetimeFigureOut">
               <a:rPr kumimoji="1" lang="ja-JP" altLang="en-US" smtClean="0"/>
-              <a:t>2016/9/29</a:t>
+              <a:t>2016/9/30</a:t>
             </a:fld>
             <a:endParaRPr kumimoji="1" lang="ja-JP" altLang="en-US"/>
           </a:p>
@@ -5396,7 +5402,7 @@
           <a:p>
             <a:fld id="{6B2EB65D-1D6A-4281-947F-EBD5305BD43D}" type="datetimeFigureOut">
               <a:rPr kumimoji="1" lang="ja-JP" altLang="en-US" smtClean="0"/>
-              <a:t>2016/9/29</a:t>
+              <a:t>2016/9/30</a:t>
             </a:fld>
             <a:endParaRPr kumimoji="1" lang="ja-JP" altLang="en-US"/>
           </a:p>
@@ -5857,7 +5863,7 @@
           <a:p>
             <a:fld id="{6B2EB65D-1D6A-4281-947F-EBD5305BD43D}" type="datetimeFigureOut">
               <a:rPr kumimoji="1" lang="ja-JP" altLang="en-US" smtClean="0"/>
-              <a:t>2016/9/29</a:t>
+              <a:t>2016/9/30</a:t>
             </a:fld>
             <a:endParaRPr kumimoji="1" lang="ja-JP" altLang="en-US"/>
           </a:p>
@@ -18899,6 +18905,67 @@
     <p:extLst>
       <p:ext uri="{BB962C8B-B14F-4D97-AF65-F5344CB8AC3E}">
         <p14:creationId xmlns:p14="http://schemas.microsoft.com/office/powerpoint/2010/main" val="1353466627"/>
+      </p:ext>
+    </p:extLst>
+  </p:cSld>
+  <p:clrMapOvr>
+    <a:masterClrMapping/>
+  </p:clrMapOvr>
+  <p:timing>
+    <p:tnLst>
+      <p:par>
+        <p:cTn id="1" dur="indefinite" restart="never" nodeType="tmRoot"/>
+      </p:par>
+    </p:tnLst>
+  </p:timing>
+</p:sld>
+</file>
+
+<file path=ppt/slides/slide13.xml><?xml version="1.0" encoding="utf-8"?>
+<p:sld xmlns:a="http://schemas.openxmlformats.org/drawingml/2006/main" xmlns:r="http://schemas.openxmlformats.org/officeDocument/2006/relationships" xmlns:p="http://schemas.openxmlformats.org/presentationml/2006/main">
+  <p:cSld>
+    <p:spTree>
+      <p:nvGrpSpPr>
+        <p:cNvPr id="1" name=""/>
+        <p:cNvGrpSpPr/>
+        <p:nvPr/>
+      </p:nvGrpSpPr>
+      <p:grpSpPr>
+        <a:xfrm>
+          <a:off x="0" y="0"/>
+          <a:ext cx="0" cy="0"/>
+          <a:chOff x="0" y="0"/>
+          <a:chExt cx="0" cy="0"/>
+        </a:xfrm>
+      </p:grpSpPr>
+      <p:pic>
+        <p:nvPicPr>
+          <p:cNvPr id="2" name="図 1"/>
+          <p:cNvPicPr>
+            <a:picLocks noChangeAspect="1"/>
+          </p:cNvPicPr>
+          <p:nvPr/>
+        </p:nvPicPr>
+        <p:blipFill>
+          <a:blip r:embed="rId2"/>
+          <a:stretch>
+            <a:fillRect/>
+          </a:stretch>
+        </p:blipFill>
+        <p:spPr>
+          <a:xfrm>
+            <a:off x="1171575" y="976312"/>
+            <a:ext cx="9848850" cy="4905375"/>
+          </a:xfrm>
+          <a:prstGeom prst="rect">
+            <a:avLst/>
+          </a:prstGeom>
+        </p:spPr>
+      </p:pic>
+    </p:spTree>
+    <p:extLst>
+      <p:ext uri="{BB962C8B-B14F-4D97-AF65-F5344CB8AC3E}">
+        <p14:creationId xmlns:p14="http://schemas.microsoft.com/office/powerpoint/2010/main" val="2840044656"/>
       </p:ext>
     </p:extLst>
   </p:cSld>
@@ -44738,2382 +44805,2367 @@
       </p:grpSpPr>
       <p:grpSp>
         <p:nvGrpSpPr>
-          <p:cNvPr id="87" name="グループ化 86"/>
+          <p:cNvPr id="48" name="グループ化 47"/>
           <p:cNvGrpSpPr/>
           <p:nvPr/>
         </p:nvGrpSpPr>
         <p:grpSpPr>
           <a:xfrm>
-            <a:off x="3101473" y="2506351"/>
-            <a:ext cx="5391790" cy="1845299"/>
-            <a:chOff x="2578821" y="3147406"/>
-            <a:chExt cx="5391790" cy="1845299"/>
+            <a:off x="6679591" y="2506351"/>
+            <a:ext cx="449351" cy="449351"/>
+            <a:chOff x="4449106" y="4656891"/>
+            <a:chExt cx="449351" cy="449351"/>
           </a:xfrm>
         </p:grpSpPr>
-        <p:grpSp>
-          <p:nvGrpSpPr>
-            <p:cNvPr id="48" name="グループ化 47"/>
-            <p:cNvGrpSpPr/>
-            <p:nvPr/>
-          </p:nvGrpSpPr>
-          <p:grpSpPr>
-            <a:xfrm>
-              <a:off x="6156939" y="3147406"/>
-              <a:ext cx="449351" cy="449351"/>
-              <a:chOff x="4449106" y="4656891"/>
-              <a:chExt cx="449351" cy="449351"/>
-            </a:xfrm>
-          </p:grpSpPr>
-          <p:sp>
-            <p:nvSpPr>
-              <p:cNvPr id="2" name="円/楕円 1"/>
-              <p:cNvSpPr/>
-              <p:nvPr/>
-            </p:nvSpPr>
-            <p:spPr>
-              <a:xfrm>
-                <a:off x="4449106" y="4656891"/>
-                <a:ext cx="449351" cy="449351"/>
-              </a:xfrm>
-              <a:prstGeom prst="ellipse">
-                <a:avLst/>
-              </a:prstGeom>
-              <a:solidFill>
-                <a:schemeClr val="bg1"/>
-              </a:solidFill>
-            </p:spPr>
-            <p:style>
-              <a:lnRef idx="2">
-                <a:schemeClr val="accent1">
-                  <a:shade val="50000"/>
-                </a:schemeClr>
-              </a:lnRef>
-              <a:fillRef idx="1">
-                <a:schemeClr val="accent1"/>
-              </a:fillRef>
-              <a:effectRef idx="0">
-                <a:schemeClr val="accent1"/>
-              </a:effectRef>
-              <a:fontRef idx="minor">
-                <a:schemeClr val="lt1"/>
-              </a:fontRef>
-            </p:style>
-            <p:txBody>
-              <a:bodyPr rtlCol="0" anchor="ctr"/>
-              <a:lstStyle/>
-              <a:p>
-                <a:pPr algn="ctr"/>
-                <a:endParaRPr kumimoji="1" lang="ja-JP" altLang="en-US"/>
-              </a:p>
-            </p:txBody>
-          </p:sp>
-          <p:sp>
-            <p:nvSpPr>
-              <p:cNvPr id="3" name="正方形/長方形 2"/>
-              <p:cNvSpPr/>
-              <p:nvPr/>
-            </p:nvSpPr>
-            <p:spPr>
-              <a:xfrm>
-                <a:off x="4602530" y="4810315"/>
-                <a:ext cx="142503" cy="142503"/>
-              </a:xfrm>
-              <a:prstGeom prst="rect">
-                <a:avLst/>
-              </a:prstGeom>
-              <a:ln>
-                <a:noFill/>
-              </a:ln>
-              <a:effectLst>
-                <a:innerShdw blurRad="38100">
-                  <a:prstClr val="black"/>
-                </a:innerShdw>
-              </a:effectLst>
-            </p:spPr>
-            <p:style>
-              <a:lnRef idx="2">
-                <a:schemeClr val="accent1">
-                  <a:shade val="50000"/>
-                </a:schemeClr>
-              </a:lnRef>
-              <a:fillRef idx="1">
-                <a:schemeClr val="accent1"/>
-              </a:fillRef>
-              <a:effectRef idx="0">
-                <a:schemeClr val="accent1"/>
-              </a:effectRef>
-              <a:fontRef idx="minor">
-                <a:schemeClr val="lt1"/>
-              </a:fontRef>
-            </p:style>
-            <p:txBody>
-              <a:bodyPr rtlCol="0" anchor="ctr"/>
-              <a:lstStyle/>
-              <a:p>
-                <a:pPr algn="ctr"/>
-                <a:endParaRPr kumimoji="1" lang="ja-JP" altLang="en-US"/>
-              </a:p>
-            </p:txBody>
-          </p:sp>
-        </p:grpSp>
-        <p:grpSp>
-          <p:nvGrpSpPr>
-            <p:cNvPr id="50" name="グループ化 49"/>
-            <p:cNvGrpSpPr/>
-            <p:nvPr/>
-          </p:nvGrpSpPr>
-          <p:grpSpPr>
-            <a:xfrm>
-              <a:off x="4792619" y="3147406"/>
-              <a:ext cx="449351" cy="449351"/>
-              <a:chOff x="3047344" y="4656891"/>
-              <a:chExt cx="449351" cy="449351"/>
-            </a:xfrm>
-          </p:grpSpPr>
-          <p:sp>
-            <p:nvSpPr>
-              <p:cNvPr id="12" name="円/楕円 11"/>
-              <p:cNvSpPr/>
-              <p:nvPr/>
-            </p:nvSpPr>
-            <p:spPr>
-              <a:xfrm>
-                <a:off x="3047344" y="4656891"/>
-                <a:ext cx="449351" cy="449351"/>
-              </a:xfrm>
-              <a:prstGeom prst="ellipse">
-                <a:avLst/>
-              </a:prstGeom>
-              <a:solidFill>
-                <a:schemeClr val="bg1"/>
-              </a:solidFill>
-            </p:spPr>
-            <p:style>
-              <a:lnRef idx="2">
-                <a:schemeClr val="accent1">
-                  <a:shade val="50000"/>
-                </a:schemeClr>
-              </a:lnRef>
-              <a:fillRef idx="1">
-                <a:schemeClr val="accent1"/>
-              </a:fillRef>
-              <a:effectRef idx="0">
-                <a:schemeClr val="accent1"/>
-              </a:effectRef>
-              <a:fontRef idx="minor">
-                <a:schemeClr val="lt1"/>
-              </a:fontRef>
-            </p:style>
-            <p:txBody>
-              <a:bodyPr rtlCol="0" anchor="ctr"/>
-              <a:lstStyle/>
-              <a:p>
-                <a:pPr algn="ctr"/>
-                <a:endParaRPr kumimoji="1" lang="ja-JP" altLang="en-US"/>
-              </a:p>
-            </p:txBody>
-          </p:sp>
-          <p:sp>
-            <p:nvSpPr>
-              <p:cNvPr id="17" name="二等辺三角形 16"/>
-              <p:cNvSpPr/>
-              <p:nvPr/>
-            </p:nvSpPr>
-            <p:spPr>
-              <a:xfrm rot="5400000">
-                <a:off x="3172578" y="4795841"/>
-                <a:ext cx="198882" cy="171450"/>
-              </a:xfrm>
-              <a:prstGeom prst="triangle">
-                <a:avLst/>
-              </a:prstGeom>
-              <a:ln>
-                <a:noFill/>
-              </a:ln>
-              <a:effectLst>
-                <a:innerShdw blurRad="38100">
-                  <a:prstClr val="black"/>
-                </a:innerShdw>
-              </a:effectLst>
-            </p:spPr>
-            <p:style>
-              <a:lnRef idx="2">
-                <a:schemeClr val="accent1">
-                  <a:shade val="50000"/>
-                </a:schemeClr>
-              </a:lnRef>
-              <a:fillRef idx="1">
-                <a:schemeClr val="accent1"/>
-              </a:fillRef>
-              <a:effectRef idx="0">
-                <a:schemeClr val="accent1"/>
-              </a:effectRef>
-              <a:fontRef idx="minor">
-                <a:schemeClr val="lt1"/>
-              </a:fontRef>
-            </p:style>
-            <p:txBody>
-              <a:bodyPr rtlCol="0" anchor="ctr"/>
-              <a:lstStyle/>
-              <a:p>
-                <a:pPr algn="ctr"/>
-                <a:endParaRPr kumimoji="1" lang="ja-JP" altLang="en-US"/>
-              </a:p>
-            </p:txBody>
-          </p:sp>
-        </p:grpSp>
-        <p:grpSp>
-          <p:nvGrpSpPr>
-            <p:cNvPr id="47" name="グループ化 46"/>
-            <p:cNvGrpSpPr/>
-            <p:nvPr/>
-          </p:nvGrpSpPr>
-          <p:grpSpPr>
-            <a:xfrm>
-              <a:off x="6839099" y="3147406"/>
-              <a:ext cx="449351" cy="449351"/>
-              <a:chOff x="5373599" y="4656891"/>
-              <a:chExt cx="449351" cy="449351"/>
-            </a:xfrm>
-          </p:grpSpPr>
-          <p:sp>
-            <p:nvSpPr>
-              <p:cNvPr id="6" name="円/楕円 5"/>
-              <p:cNvSpPr/>
-              <p:nvPr/>
-            </p:nvSpPr>
-            <p:spPr>
-              <a:xfrm>
-                <a:off x="5373599" y="4656891"/>
-                <a:ext cx="449351" cy="449351"/>
-              </a:xfrm>
-              <a:prstGeom prst="ellipse">
-                <a:avLst/>
-              </a:prstGeom>
-              <a:solidFill>
-                <a:schemeClr val="bg1"/>
-              </a:solidFill>
-            </p:spPr>
-            <p:style>
-              <a:lnRef idx="2">
-                <a:schemeClr val="accent1">
-                  <a:shade val="50000"/>
-                </a:schemeClr>
-              </a:lnRef>
-              <a:fillRef idx="1">
-                <a:schemeClr val="accent1"/>
-              </a:fillRef>
-              <a:effectRef idx="0">
-                <a:schemeClr val="accent1"/>
-              </a:effectRef>
-              <a:fontRef idx="minor">
-                <a:schemeClr val="lt1"/>
-              </a:fontRef>
-            </p:style>
-            <p:txBody>
-              <a:bodyPr rtlCol="0" anchor="ctr"/>
-              <a:lstStyle/>
-              <a:p>
-                <a:pPr algn="ctr"/>
-                <a:endParaRPr kumimoji="1" lang="ja-JP" altLang="en-US"/>
-              </a:p>
-            </p:txBody>
-          </p:sp>
-          <p:sp>
-            <p:nvSpPr>
-              <p:cNvPr id="20" name="山形 19"/>
-              <p:cNvSpPr/>
-              <p:nvPr/>
-            </p:nvSpPr>
-            <p:spPr>
-              <a:xfrm>
-                <a:off x="5516937" y="4783141"/>
-                <a:ext cx="162674" cy="196850"/>
-              </a:xfrm>
-              <a:prstGeom prst="chevron">
-                <a:avLst/>
-              </a:prstGeom>
-              <a:ln>
-                <a:noFill/>
-              </a:ln>
-              <a:effectLst>
-                <a:innerShdw blurRad="38100">
-                  <a:prstClr val="black"/>
-                </a:innerShdw>
-              </a:effectLst>
-            </p:spPr>
-            <p:style>
-              <a:lnRef idx="2">
-                <a:schemeClr val="accent1">
-                  <a:shade val="50000"/>
-                </a:schemeClr>
-              </a:lnRef>
-              <a:fillRef idx="1">
-                <a:schemeClr val="accent1"/>
-              </a:fillRef>
-              <a:effectRef idx="0">
-                <a:schemeClr val="accent1"/>
-              </a:effectRef>
-              <a:fontRef idx="minor">
-                <a:schemeClr val="lt1"/>
-              </a:fontRef>
-            </p:style>
-            <p:txBody>
-              <a:bodyPr rtlCol="0" anchor="ctr"/>
-              <a:lstStyle/>
-              <a:p>
-                <a:pPr algn="ctr"/>
-                <a:endParaRPr kumimoji="1" lang="ja-JP" altLang="en-US">
-                  <a:solidFill>
-                    <a:schemeClr val="tx1"/>
-                  </a:solidFill>
-                </a:endParaRPr>
-              </a:p>
-            </p:txBody>
-          </p:sp>
-        </p:grpSp>
-        <p:grpSp>
-          <p:nvGrpSpPr>
-            <p:cNvPr id="46" name="グループ化 45"/>
-            <p:cNvGrpSpPr/>
-            <p:nvPr/>
-          </p:nvGrpSpPr>
-          <p:grpSpPr>
-            <a:xfrm>
-              <a:off x="7521260" y="3147406"/>
-              <a:ext cx="449351" cy="449351"/>
-              <a:chOff x="5910174" y="4656891"/>
-              <a:chExt cx="449351" cy="449351"/>
-            </a:xfrm>
-          </p:grpSpPr>
-          <p:sp>
-            <p:nvSpPr>
-              <p:cNvPr id="9" name="円/楕円 8"/>
-              <p:cNvSpPr/>
-              <p:nvPr/>
-            </p:nvSpPr>
-            <p:spPr>
-              <a:xfrm>
-                <a:off x="5910174" y="4656891"/>
-                <a:ext cx="449351" cy="449351"/>
-              </a:xfrm>
-              <a:prstGeom prst="ellipse">
-                <a:avLst/>
-              </a:prstGeom>
-              <a:solidFill>
-                <a:schemeClr val="bg1"/>
-              </a:solidFill>
-            </p:spPr>
-            <p:style>
-              <a:lnRef idx="2">
-                <a:schemeClr val="accent1">
-                  <a:shade val="50000"/>
-                </a:schemeClr>
-              </a:lnRef>
-              <a:fillRef idx="1">
-                <a:schemeClr val="accent1"/>
-              </a:fillRef>
-              <a:effectRef idx="0">
-                <a:schemeClr val="accent1"/>
-              </a:effectRef>
-              <a:fontRef idx="minor">
-                <a:schemeClr val="lt1"/>
-              </a:fontRef>
-            </p:style>
-            <p:txBody>
-              <a:bodyPr rtlCol="0" anchor="ctr"/>
-              <a:lstStyle/>
-              <a:p>
-                <a:pPr algn="ctr"/>
-                <a:endParaRPr kumimoji="1" lang="ja-JP" altLang="en-US"/>
-              </a:p>
-            </p:txBody>
-          </p:sp>
-          <p:sp>
-            <p:nvSpPr>
-              <p:cNvPr id="21" name="山形 20"/>
-              <p:cNvSpPr/>
-              <p:nvPr/>
-            </p:nvSpPr>
-            <p:spPr>
-              <a:xfrm rot="10800000">
-                <a:off x="6053513" y="4783141"/>
-                <a:ext cx="162674" cy="196850"/>
-              </a:xfrm>
-              <a:prstGeom prst="chevron">
-                <a:avLst/>
-              </a:prstGeom>
-              <a:ln>
-                <a:noFill/>
-              </a:ln>
-              <a:effectLst>
-                <a:innerShdw blurRad="38100">
-                  <a:prstClr val="black"/>
-                </a:innerShdw>
-              </a:effectLst>
-            </p:spPr>
-            <p:style>
-              <a:lnRef idx="2">
-                <a:schemeClr val="accent1">
-                  <a:shade val="50000"/>
-                </a:schemeClr>
-              </a:lnRef>
-              <a:fillRef idx="1">
-                <a:schemeClr val="accent1"/>
-              </a:fillRef>
-              <a:effectRef idx="0">
-                <a:schemeClr val="accent1"/>
-              </a:effectRef>
-              <a:fontRef idx="minor">
-                <a:schemeClr val="lt1"/>
-              </a:fontRef>
-            </p:style>
-            <p:txBody>
-              <a:bodyPr rtlCol="0" anchor="ctr"/>
-              <a:lstStyle/>
-              <a:p>
-                <a:pPr algn="ctr"/>
-                <a:endParaRPr kumimoji="1" lang="ja-JP" altLang="en-US">
-                  <a:solidFill>
-                    <a:schemeClr val="tx1"/>
-                  </a:solidFill>
-                </a:endParaRPr>
-              </a:p>
-            </p:txBody>
-          </p:sp>
-        </p:grpSp>
-        <p:grpSp>
-          <p:nvGrpSpPr>
-            <p:cNvPr id="51" name="グループ化 50"/>
-            <p:cNvGrpSpPr/>
-            <p:nvPr/>
-          </p:nvGrpSpPr>
-          <p:grpSpPr>
-            <a:xfrm>
-              <a:off x="4110459" y="3147406"/>
-              <a:ext cx="449351" cy="449351"/>
-              <a:chOff x="2499373" y="4656891"/>
-              <a:chExt cx="449351" cy="449351"/>
-            </a:xfrm>
-          </p:grpSpPr>
-          <p:sp>
-            <p:nvSpPr>
-              <p:cNvPr id="22" name="円/楕円 21"/>
-              <p:cNvSpPr/>
-              <p:nvPr/>
-            </p:nvSpPr>
-            <p:spPr>
-              <a:xfrm>
-                <a:off x="2499373" y="4656891"/>
-                <a:ext cx="449351" cy="449351"/>
-              </a:xfrm>
-              <a:prstGeom prst="ellipse">
-                <a:avLst/>
-              </a:prstGeom>
-              <a:solidFill>
-                <a:schemeClr val="bg1"/>
-              </a:solidFill>
-            </p:spPr>
-            <p:style>
-              <a:lnRef idx="2">
-                <a:schemeClr val="accent1">
-                  <a:shade val="50000"/>
-                </a:schemeClr>
-              </a:lnRef>
-              <a:fillRef idx="1">
-                <a:schemeClr val="accent1"/>
-              </a:fillRef>
-              <a:effectRef idx="0">
-                <a:schemeClr val="accent1"/>
-              </a:effectRef>
-              <a:fontRef idx="minor">
-                <a:schemeClr val="lt1"/>
-              </a:fontRef>
-            </p:style>
-            <p:txBody>
-              <a:bodyPr rtlCol="0" anchor="ctr"/>
-              <a:lstStyle/>
-              <a:p>
-                <a:pPr algn="ctr"/>
-                <a:endParaRPr kumimoji="1" lang="ja-JP" altLang="en-US"/>
-              </a:p>
-            </p:txBody>
-          </p:sp>
-          <p:sp>
-            <p:nvSpPr>
-              <p:cNvPr id="16" name="正方形/長方形 15"/>
-              <p:cNvSpPr/>
-              <p:nvPr/>
-            </p:nvSpPr>
-            <p:spPr>
-              <a:xfrm>
-                <a:off x="2604565" y="4782126"/>
-                <a:ext cx="45719" cy="198882"/>
-              </a:xfrm>
-              <a:prstGeom prst="rect">
-                <a:avLst/>
-              </a:prstGeom>
-              <a:ln>
-                <a:noFill/>
-              </a:ln>
-              <a:effectLst>
-                <a:innerShdw blurRad="38100">
-                  <a:prstClr val="black"/>
-                </a:innerShdw>
-              </a:effectLst>
-            </p:spPr>
-            <p:style>
-              <a:lnRef idx="2">
-                <a:schemeClr val="accent1">
-                  <a:shade val="50000"/>
-                </a:schemeClr>
-              </a:lnRef>
-              <a:fillRef idx="1">
-                <a:schemeClr val="accent1"/>
-              </a:fillRef>
-              <a:effectRef idx="0">
-                <a:schemeClr val="accent1"/>
-              </a:effectRef>
-              <a:fontRef idx="minor">
-                <a:schemeClr val="lt1"/>
-              </a:fontRef>
-            </p:style>
-            <p:txBody>
-              <a:bodyPr rtlCol="0" anchor="ctr"/>
-              <a:lstStyle/>
-              <a:p>
-                <a:pPr algn="ctr"/>
-                <a:endParaRPr kumimoji="1" lang="ja-JP" altLang="en-US"/>
-              </a:p>
-            </p:txBody>
-          </p:sp>
-          <p:sp>
-            <p:nvSpPr>
-              <p:cNvPr id="23" name="二等辺三角形 22"/>
-              <p:cNvSpPr/>
-              <p:nvPr/>
-            </p:nvSpPr>
-            <p:spPr>
-              <a:xfrm rot="5400000">
-                <a:off x="2672234" y="4809709"/>
-                <a:ext cx="198882" cy="143713"/>
-              </a:xfrm>
-              <a:prstGeom prst="triangle">
-                <a:avLst/>
-              </a:prstGeom>
-              <a:ln>
-                <a:noFill/>
-              </a:ln>
-              <a:effectLst>
-                <a:innerShdw blurRad="38100">
-                  <a:prstClr val="black"/>
-                </a:innerShdw>
-              </a:effectLst>
-            </p:spPr>
-            <p:style>
-              <a:lnRef idx="2">
-                <a:schemeClr val="accent1">
-                  <a:shade val="50000"/>
-                </a:schemeClr>
-              </a:lnRef>
-              <a:fillRef idx="1">
-                <a:schemeClr val="accent1"/>
-              </a:fillRef>
-              <a:effectRef idx="0">
-                <a:schemeClr val="accent1"/>
-              </a:effectRef>
-              <a:fontRef idx="minor">
-                <a:schemeClr val="lt1"/>
-              </a:fontRef>
-            </p:style>
-            <p:txBody>
-              <a:bodyPr rtlCol="0" anchor="ctr"/>
-              <a:lstStyle/>
-              <a:p>
-                <a:pPr algn="ctr"/>
-                <a:endParaRPr kumimoji="1" lang="ja-JP" altLang="en-US"/>
-              </a:p>
-            </p:txBody>
-          </p:sp>
-        </p:grpSp>
-        <p:grpSp>
-          <p:nvGrpSpPr>
-            <p:cNvPr id="49" name="グループ化 48"/>
-            <p:cNvGrpSpPr/>
-            <p:nvPr/>
-          </p:nvGrpSpPr>
-          <p:grpSpPr>
-            <a:xfrm>
-              <a:off x="5474779" y="3147406"/>
-              <a:ext cx="449351" cy="449351"/>
-              <a:chOff x="3747161" y="4656891"/>
-              <a:chExt cx="449351" cy="449351"/>
-            </a:xfrm>
-          </p:grpSpPr>
-          <p:sp>
-            <p:nvSpPr>
-              <p:cNvPr id="15" name="円/楕円 14"/>
-              <p:cNvSpPr/>
-              <p:nvPr/>
-            </p:nvSpPr>
-            <p:spPr>
-              <a:xfrm>
-                <a:off x="3747161" y="4656891"/>
-                <a:ext cx="449351" cy="449351"/>
-              </a:xfrm>
-              <a:prstGeom prst="ellipse">
-                <a:avLst/>
-              </a:prstGeom>
-              <a:solidFill>
-                <a:schemeClr val="bg1"/>
-              </a:solidFill>
-            </p:spPr>
-            <p:style>
-              <a:lnRef idx="2">
-                <a:schemeClr val="accent1">
-                  <a:shade val="50000"/>
-                </a:schemeClr>
-              </a:lnRef>
-              <a:fillRef idx="1">
-                <a:schemeClr val="accent1"/>
-              </a:fillRef>
-              <a:effectRef idx="0">
-                <a:schemeClr val="accent1"/>
-              </a:effectRef>
-              <a:fontRef idx="minor">
-                <a:schemeClr val="lt1"/>
-              </a:fontRef>
-            </p:style>
-            <p:txBody>
-              <a:bodyPr rtlCol="0" anchor="ctr"/>
-              <a:lstStyle/>
-              <a:p>
-                <a:pPr algn="ctr"/>
-                <a:endParaRPr kumimoji="1" lang="ja-JP" altLang="en-US"/>
-              </a:p>
-            </p:txBody>
-          </p:sp>
-          <p:sp>
-            <p:nvSpPr>
-              <p:cNvPr id="18" name="正方形/長方形 17"/>
-              <p:cNvSpPr/>
-              <p:nvPr/>
-            </p:nvSpPr>
-            <p:spPr>
-              <a:xfrm>
-                <a:off x="3992477" y="4810315"/>
-                <a:ext cx="45943" cy="142503"/>
-              </a:xfrm>
-              <a:prstGeom prst="rect">
-                <a:avLst/>
-              </a:prstGeom>
-              <a:ln>
-                <a:noFill/>
-              </a:ln>
-              <a:effectLst>
-                <a:innerShdw blurRad="38100">
-                  <a:prstClr val="black"/>
-                </a:innerShdw>
-              </a:effectLst>
-            </p:spPr>
-            <p:style>
-              <a:lnRef idx="2">
-                <a:schemeClr val="accent1">
-                  <a:shade val="50000"/>
-                </a:schemeClr>
-              </a:lnRef>
-              <a:fillRef idx="1">
-                <a:schemeClr val="accent1"/>
-              </a:fillRef>
-              <a:effectRef idx="0">
-                <a:schemeClr val="accent1"/>
-              </a:effectRef>
-              <a:fontRef idx="minor">
-                <a:schemeClr val="lt1"/>
-              </a:fontRef>
-            </p:style>
-            <p:txBody>
-              <a:bodyPr rtlCol="0" anchor="ctr"/>
-              <a:lstStyle/>
-              <a:p>
-                <a:pPr algn="ctr"/>
-                <a:endParaRPr kumimoji="1" lang="ja-JP" altLang="en-US"/>
-              </a:p>
-            </p:txBody>
-          </p:sp>
-          <p:sp>
-            <p:nvSpPr>
-              <p:cNvPr id="26" name="正方形/長方形 25"/>
-              <p:cNvSpPr/>
-              <p:nvPr/>
-            </p:nvSpPr>
-            <p:spPr>
-              <a:xfrm>
-                <a:off x="3905253" y="4810315"/>
-                <a:ext cx="45943" cy="142503"/>
-              </a:xfrm>
-              <a:prstGeom prst="rect">
-                <a:avLst/>
-              </a:prstGeom>
-              <a:ln>
-                <a:noFill/>
-              </a:ln>
-              <a:effectLst>
-                <a:innerShdw blurRad="38100">
-                  <a:prstClr val="black"/>
-                </a:innerShdw>
-              </a:effectLst>
-            </p:spPr>
-            <p:style>
-              <a:lnRef idx="2">
-                <a:schemeClr val="accent1">
-                  <a:shade val="50000"/>
-                </a:schemeClr>
-              </a:lnRef>
-              <a:fillRef idx="1">
-                <a:schemeClr val="accent1"/>
-              </a:fillRef>
-              <a:effectRef idx="0">
-                <a:schemeClr val="accent1"/>
-              </a:effectRef>
-              <a:fontRef idx="minor">
-                <a:schemeClr val="lt1"/>
-              </a:fontRef>
-            </p:style>
-            <p:txBody>
-              <a:bodyPr rtlCol="0" anchor="ctr"/>
-              <a:lstStyle/>
-              <a:p>
-                <a:pPr algn="ctr"/>
-                <a:endParaRPr kumimoji="1" lang="ja-JP" altLang="en-US"/>
-              </a:p>
-            </p:txBody>
-          </p:sp>
-        </p:grpSp>
-        <p:grpSp>
-          <p:nvGrpSpPr>
-            <p:cNvPr id="55" name="グループ化 54"/>
-            <p:cNvGrpSpPr/>
-            <p:nvPr/>
-          </p:nvGrpSpPr>
-          <p:grpSpPr>
-            <a:xfrm>
-              <a:off x="6156939" y="3852917"/>
-              <a:ext cx="449351" cy="449351"/>
-              <a:chOff x="4449106" y="5274724"/>
-              <a:chExt cx="449351" cy="449351"/>
-            </a:xfrm>
-          </p:grpSpPr>
-          <p:sp>
-            <p:nvSpPr>
-              <p:cNvPr id="29" name="円/楕円 28"/>
-              <p:cNvSpPr/>
-              <p:nvPr/>
-            </p:nvSpPr>
-            <p:spPr>
-              <a:xfrm>
-                <a:off x="4449106" y="5274724"/>
-                <a:ext cx="449351" cy="449351"/>
-              </a:xfrm>
-              <a:prstGeom prst="ellipse">
-                <a:avLst/>
-              </a:prstGeom>
-              <a:solidFill>
-                <a:schemeClr val="bg1"/>
-              </a:solidFill>
-            </p:spPr>
-            <p:style>
-              <a:lnRef idx="2">
-                <a:schemeClr val="accent1">
-                  <a:shade val="50000"/>
-                </a:schemeClr>
-              </a:lnRef>
-              <a:fillRef idx="1">
-                <a:schemeClr val="accent1"/>
-              </a:fillRef>
-              <a:effectRef idx="0">
-                <a:schemeClr val="accent1"/>
-              </a:effectRef>
-              <a:fontRef idx="minor">
-                <a:schemeClr val="lt1"/>
-              </a:fontRef>
-            </p:style>
-            <p:txBody>
-              <a:bodyPr rtlCol="0" anchor="ctr"/>
-              <a:lstStyle/>
-              <a:p>
-                <a:pPr algn="ctr"/>
-                <a:endParaRPr kumimoji="1" lang="ja-JP" altLang="en-US"/>
-              </a:p>
-            </p:txBody>
-          </p:sp>
-          <p:sp>
-            <p:nvSpPr>
-              <p:cNvPr id="30" name="正方形/長方形 29"/>
-              <p:cNvSpPr/>
-              <p:nvPr/>
-            </p:nvSpPr>
-            <p:spPr>
-              <a:xfrm>
-                <a:off x="4602530" y="5428148"/>
-                <a:ext cx="142503" cy="142503"/>
-              </a:xfrm>
-              <a:prstGeom prst="rect">
-                <a:avLst/>
-              </a:prstGeom>
-              <a:solidFill>
-                <a:srgbClr val="7030A0"/>
-              </a:solidFill>
-              <a:ln>
-                <a:noFill/>
-              </a:ln>
-              <a:effectLst>
-                <a:innerShdw blurRad="63500">
-                  <a:prstClr val="black"/>
-                </a:innerShdw>
-              </a:effectLst>
-            </p:spPr>
-            <p:style>
-              <a:lnRef idx="2">
-                <a:schemeClr val="accent1">
-                  <a:shade val="50000"/>
-                </a:schemeClr>
-              </a:lnRef>
-              <a:fillRef idx="1">
-                <a:schemeClr val="accent1"/>
-              </a:fillRef>
-              <a:effectRef idx="0">
-                <a:schemeClr val="accent1"/>
-              </a:effectRef>
-              <a:fontRef idx="minor">
-                <a:schemeClr val="lt1"/>
-              </a:fontRef>
-            </p:style>
-            <p:txBody>
-              <a:bodyPr rtlCol="0" anchor="ctr"/>
-              <a:lstStyle/>
-              <a:p>
-                <a:pPr algn="ctr"/>
-                <a:endParaRPr kumimoji="1" lang="ja-JP" altLang="en-US"/>
-              </a:p>
-            </p:txBody>
-          </p:sp>
-        </p:grpSp>
-        <p:grpSp>
-          <p:nvGrpSpPr>
-            <p:cNvPr id="53" name="グループ化 52"/>
-            <p:cNvGrpSpPr/>
-            <p:nvPr/>
-          </p:nvGrpSpPr>
-          <p:grpSpPr>
-            <a:xfrm>
-              <a:off x="4792619" y="3852917"/>
-              <a:ext cx="449351" cy="449351"/>
-              <a:chOff x="3047344" y="5274724"/>
-              <a:chExt cx="449351" cy="449351"/>
-            </a:xfrm>
-          </p:grpSpPr>
-          <p:sp>
-            <p:nvSpPr>
-              <p:cNvPr id="35" name="円/楕円 34"/>
-              <p:cNvSpPr/>
-              <p:nvPr/>
-            </p:nvSpPr>
-            <p:spPr>
-              <a:xfrm>
-                <a:off x="3047344" y="5274724"/>
-                <a:ext cx="449351" cy="449351"/>
-              </a:xfrm>
-              <a:prstGeom prst="ellipse">
-                <a:avLst/>
-              </a:prstGeom>
-              <a:solidFill>
-                <a:schemeClr val="bg1"/>
-              </a:solidFill>
-            </p:spPr>
-            <p:style>
-              <a:lnRef idx="2">
-                <a:schemeClr val="accent1">
-                  <a:shade val="50000"/>
-                </a:schemeClr>
-              </a:lnRef>
-              <a:fillRef idx="1">
-                <a:schemeClr val="accent1"/>
-              </a:fillRef>
-              <a:effectRef idx="0">
-                <a:schemeClr val="accent1"/>
-              </a:effectRef>
-              <a:fontRef idx="minor">
-                <a:schemeClr val="lt1"/>
-              </a:fontRef>
-            </p:style>
-            <p:txBody>
-              <a:bodyPr rtlCol="0" anchor="ctr"/>
-              <a:lstStyle/>
-              <a:p>
-                <a:pPr algn="ctr"/>
-                <a:endParaRPr kumimoji="1" lang="ja-JP" altLang="en-US"/>
-              </a:p>
-            </p:txBody>
-          </p:sp>
-          <p:sp>
-            <p:nvSpPr>
-              <p:cNvPr id="36" name="二等辺三角形 35"/>
-              <p:cNvSpPr/>
-              <p:nvPr/>
-            </p:nvSpPr>
-            <p:spPr>
-              <a:xfrm rot="5400000">
-                <a:off x="3172578" y="5413674"/>
-                <a:ext cx="198882" cy="171450"/>
-              </a:xfrm>
-              <a:prstGeom prst="triangle">
-                <a:avLst/>
-              </a:prstGeom>
-              <a:solidFill>
-                <a:srgbClr val="7030A0"/>
-              </a:solidFill>
-              <a:ln>
-                <a:noFill/>
-              </a:ln>
-              <a:effectLst>
-                <a:innerShdw blurRad="63500">
-                  <a:prstClr val="black"/>
-                </a:innerShdw>
-              </a:effectLst>
-            </p:spPr>
-            <p:style>
-              <a:lnRef idx="2">
-                <a:schemeClr val="accent1">
-                  <a:shade val="50000"/>
-                </a:schemeClr>
-              </a:lnRef>
-              <a:fillRef idx="1">
-                <a:schemeClr val="accent1"/>
-              </a:fillRef>
-              <a:effectRef idx="0">
-                <a:schemeClr val="accent1"/>
-              </a:effectRef>
-              <a:fontRef idx="minor">
-                <a:schemeClr val="lt1"/>
-              </a:fontRef>
-            </p:style>
-            <p:txBody>
-              <a:bodyPr rtlCol="0" anchor="ctr"/>
-              <a:lstStyle/>
-              <a:p>
-                <a:pPr algn="ctr"/>
-                <a:endParaRPr kumimoji="1" lang="ja-JP" altLang="en-US"/>
-              </a:p>
-            </p:txBody>
-          </p:sp>
-        </p:grpSp>
-        <p:grpSp>
-          <p:nvGrpSpPr>
-            <p:cNvPr id="56" name="グループ化 55"/>
-            <p:cNvGrpSpPr/>
-            <p:nvPr/>
-          </p:nvGrpSpPr>
-          <p:grpSpPr>
-            <a:xfrm>
-              <a:off x="6839099" y="3852917"/>
-              <a:ext cx="449351" cy="449351"/>
-              <a:chOff x="5373599" y="5274724"/>
-              <a:chExt cx="449351" cy="449351"/>
-            </a:xfrm>
-          </p:grpSpPr>
-          <p:sp>
-            <p:nvSpPr>
-              <p:cNvPr id="31" name="円/楕円 30"/>
-              <p:cNvSpPr/>
-              <p:nvPr/>
-            </p:nvSpPr>
-            <p:spPr>
-              <a:xfrm>
-                <a:off x="5373599" y="5274724"/>
-                <a:ext cx="449351" cy="449351"/>
-              </a:xfrm>
-              <a:prstGeom prst="ellipse">
-                <a:avLst/>
-              </a:prstGeom>
-              <a:solidFill>
-                <a:schemeClr val="bg1"/>
-              </a:solidFill>
-            </p:spPr>
-            <p:style>
-              <a:lnRef idx="2">
-                <a:schemeClr val="accent1">
-                  <a:shade val="50000"/>
-                </a:schemeClr>
-              </a:lnRef>
-              <a:fillRef idx="1">
-                <a:schemeClr val="accent1"/>
-              </a:fillRef>
-              <a:effectRef idx="0">
-                <a:schemeClr val="accent1"/>
-              </a:effectRef>
-              <a:fontRef idx="minor">
-                <a:schemeClr val="lt1"/>
-              </a:fontRef>
-            </p:style>
-            <p:txBody>
-              <a:bodyPr rtlCol="0" anchor="ctr"/>
-              <a:lstStyle/>
-              <a:p>
-                <a:pPr algn="ctr"/>
-                <a:endParaRPr kumimoji="1" lang="ja-JP" altLang="en-US"/>
-              </a:p>
-            </p:txBody>
-          </p:sp>
-          <p:sp>
-            <p:nvSpPr>
-              <p:cNvPr id="37" name="山形 36"/>
-              <p:cNvSpPr/>
-              <p:nvPr/>
-            </p:nvSpPr>
-            <p:spPr>
-              <a:xfrm>
-                <a:off x="5516937" y="5400974"/>
-                <a:ext cx="162674" cy="196850"/>
-              </a:xfrm>
-              <a:prstGeom prst="chevron">
-                <a:avLst/>
-              </a:prstGeom>
-              <a:solidFill>
-                <a:srgbClr val="7030A0"/>
-              </a:solidFill>
-              <a:ln>
-                <a:noFill/>
-              </a:ln>
-              <a:effectLst>
-                <a:innerShdw blurRad="63500">
-                  <a:prstClr val="black"/>
-                </a:innerShdw>
-              </a:effectLst>
-            </p:spPr>
-            <p:style>
-              <a:lnRef idx="2">
-                <a:schemeClr val="accent1">
-                  <a:shade val="50000"/>
-                </a:schemeClr>
-              </a:lnRef>
-              <a:fillRef idx="1">
-                <a:schemeClr val="accent1"/>
-              </a:fillRef>
-              <a:effectRef idx="0">
-                <a:schemeClr val="accent1"/>
-              </a:effectRef>
-              <a:fontRef idx="minor">
-                <a:schemeClr val="lt1"/>
-              </a:fontRef>
-            </p:style>
-            <p:txBody>
-              <a:bodyPr rtlCol="0" anchor="ctr"/>
-              <a:lstStyle/>
-              <a:p>
-                <a:pPr algn="ctr"/>
-                <a:endParaRPr kumimoji="1" lang="ja-JP" altLang="en-US">
-                  <a:solidFill>
-                    <a:schemeClr val="tx1"/>
-                  </a:solidFill>
-                </a:endParaRPr>
-              </a:p>
-            </p:txBody>
-          </p:sp>
-        </p:grpSp>
-        <p:grpSp>
-          <p:nvGrpSpPr>
-            <p:cNvPr id="57" name="グループ化 56"/>
-            <p:cNvGrpSpPr/>
-            <p:nvPr/>
-          </p:nvGrpSpPr>
-          <p:grpSpPr>
-            <a:xfrm>
-              <a:off x="7521260" y="3852917"/>
-              <a:ext cx="449351" cy="449351"/>
-              <a:chOff x="5910174" y="5274724"/>
-              <a:chExt cx="449351" cy="449351"/>
-            </a:xfrm>
-          </p:grpSpPr>
-          <p:sp>
-            <p:nvSpPr>
-              <p:cNvPr id="32" name="円/楕円 31"/>
-              <p:cNvSpPr/>
-              <p:nvPr/>
-            </p:nvSpPr>
-            <p:spPr>
-              <a:xfrm>
-                <a:off x="5910174" y="5274724"/>
-                <a:ext cx="449351" cy="449351"/>
-              </a:xfrm>
-              <a:prstGeom prst="ellipse">
-                <a:avLst/>
-              </a:prstGeom>
-              <a:solidFill>
-                <a:schemeClr val="bg1"/>
-              </a:solidFill>
-            </p:spPr>
-            <p:style>
-              <a:lnRef idx="2">
-                <a:schemeClr val="accent1">
-                  <a:shade val="50000"/>
-                </a:schemeClr>
-              </a:lnRef>
-              <a:fillRef idx="1">
-                <a:schemeClr val="accent1"/>
-              </a:fillRef>
-              <a:effectRef idx="0">
-                <a:schemeClr val="accent1"/>
-              </a:effectRef>
-              <a:fontRef idx="minor">
-                <a:schemeClr val="lt1"/>
-              </a:fontRef>
-            </p:style>
-            <p:txBody>
-              <a:bodyPr rtlCol="0" anchor="ctr"/>
-              <a:lstStyle/>
-              <a:p>
-                <a:pPr algn="ctr"/>
-                <a:endParaRPr kumimoji="1" lang="ja-JP" altLang="en-US"/>
-              </a:p>
-            </p:txBody>
-          </p:sp>
-          <p:sp>
-            <p:nvSpPr>
-              <p:cNvPr id="38" name="山形 37"/>
-              <p:cNvSpPr/>
-              <p:nvPr/>
-            </p:nvSpPr>
-            <p:spPr>
-              <a:xfrm rot="10800000">
-                <a:off x="6053513" y="5400974"/>
-                <a:ext cx="162674" cy="196850"/>
-              </a:xfrm>
-              <a:prstGeom prst="chevron">
-                <a:avLst/>
-              </a:prstGeom>
-              <a:solidFill>
-                <a:srgbClr val="7030A0"/>
-              </a:solidFill>
-              <a:ln>
-                <a:noFill/>
-              </a:ln>
-              <a:effectLst>
-                <a:innerShdw blurRad="63500">
-                  <a:prstClr val="black"/>
-                </a:innerShdw>
-              </a:effectLst>
-            </p:spPr>
-            <p:style>
-              <a:lnRef idx="2">
-                <a:schemeClr val="accent1">
-                  <a:shade val="50000"/>
-                </a:schemeClr>
-              </a:lnRef>
-              <a:fillRef idx="1">
-                <a:schemeClr val="accent1"/>
-              </a:fillRef>
-              <a:effectRef idx="0">
-                <a:schemeClr val="accent1"/>
-              </a:effectRef>
-              <a:fontRef idx="minor">
-                <a:schemeClr val="lt1"/>
-              </a:fontRef>
-            </p:style>
-            <p:txBody>
-              <a:bodyPr rtlCol="0" anchor="ctr"/>
-              <a:lstStyle/>
-              <a:p>
-                <a:pPr algn="ctr"/>
-                <a:endParaRPr kumimoji="1" lang="ja-JP" altLang="en-US">
-                  <a:solidFill>
-                    <a:schemeClr val="tx1"/>
-                  </a:solidFill>
-                </a:endParaRPr>
-              </a:p>
-            </p:txBody>
-          </p:sp>
-        </p:grpSp>
-        <p:grpSp>
-          <p:nvGrpSpPr>
-            <p:cNvPr id="52" name="グループ化 51"/>
-            <p:cNvGrpSpPr/>
-            <p:nvPr/>
-          </p:nvGrpSpPr>
-          <p:grpSpPr>
-            <a:xfrm>
-              <a:off x="4110459" y="3852917"/>
-              <a:ext cx="449351" cy="449351"/>
-              <a:chOff x="2499373" y="5274724"/>
-              <a:chExt cx="449351" cy="449351"/>
-            </a:xfrm>
-          </p:grpSpPr>
-          <p:sp>
-            <p:nvSpPr>
-              <p:cNvPr id="39" name="円/楕円 38"/>
-              <p:cNvSpPr/>
-              <p:nvPr/>
-            </p:nvSpPr>
-            <p:spPr>
-              <a:xfrm>
-                <a:off x="2499373" y="5274724"/>
-                <a:ext cx="449351" cy="449351"/>
-              </a:xfrm>
-              <a:prstGeom prst="ellipse">
-                <a:avLst/>
-              </a:prstGeom>
-              <a:solidFill>
-                <a:schemeClr val="bg1"/>
-              </a:solidFill>
-            </p:spPr>
-            <p:style>
-              <a:lnRef idx="2">
-                <a:schemeClr val="accent1">
-                  <a:shade val="50000"/>
-                </a:schemeClr>
-              </a:lnRef>
-              <a:fillRef idx="1">
-                <a:schemeClr val="accent1"/>
-              </a:fillRef>
-              <a:effectRef idx="0">
-                <a:schemeClr val="accent1"/>
-              </a:effectRef>
-              <a:fontRef idx="minor">
-                <a:schemeClr val="lt1"/>
-              </a:fontRef>
-            </p:style>
-            <p:txBody>
-              <a:bodyPr rtlCol="0" anchor="ctr"/>
-              <a:lstStyle/>
-              <a:p>
-                <a:pPr algn="ctr"/>
-                <a:endParaRPr kumimoji="1" lang="ja-JP" altLang="en-US"/>
-              </a:p>
-            </p:txBody>
-          </p:sp>
-          <p:sp>
-            <p:nvSpPr>
-              <p:cNvPr id="41" name="正方形/長方形 40"/>
-              <p:cNvSpPr/>
-              <p:nvPr/>
-            </p:nvSpPr>
-            <p:spPr>
-              <a:xfrm>
-                <a:off x="2604565" y="5399959"/>
-                <a:ext cx="45719" cy="198882"/>
-              </a:xfrm>
-              <a:prstGeom prst="rect">
-                <a:avLst/>
-              </a:prstGeom>
-              <a:solidFill>
-                <a:srgbClr val="7030A0"/>
-              </a:solidFill>
-              <a:ln>
-                <a:noFill/>
-              </a:ln>
-              <a:effectLst>
-                <a:innerShdw blurRad="63500">
-                  <a:prstClr val="black"/>
-                </a:innerShdw>
-              </a:effectLst>
-            </p:spPr>
-            <p:style>
-              <a:lnRef idx="2">
-                <a:schemeClr val="accent1">
-                  <a:shade val="50000"/>
-                </a:schemeClr>
-              </a:lnRef>
-              <a:fillRef idx="1">
-                <a:schemeClr val="accent1"/>
-              </a:fillRef>
-              <a:effectRef idx="0">
-                <a:schemeClr val="accent1"/>
-              </a:effectRef>
-              <a:fontRef idx="minor">
-                <a:schemeClr val="lt1"/>
-              </a:fontRef>
-            </p:style>
-            <p:txBody>
-              <a:bodyPr rtlCol="0" anchor="ctr"/>
-              <a:lstStyle/>
-              <a:p>
-                <a:pPr algn="ctr"/>
-                <a:endParaRPr kumimoji="1" lang="ja-JP" altLang="en-US"/>
-              </a:p>
-            </p:txBody>
-          </p:sp>
-          <p:sp>
-            <p:nvSpPr>
-              <p:cNvPr id="42" name="二等辺三角形 41"/>
-              <p:cNvSpPr/>
-              <p:nvPr/>
-            </p:nvSpPr>
-            <p:spPr>
-              <a:xfrm rot="5400000">
-                <a:off x="2672234" y="5427542"/>
-                <a:ext cx="198882" cy="143713"/>
-              </a:xfrm>
-              <a:prstGeom prst="triangle">
-                <a:avLst/>
-              </a:prstGeom>
-              <a:solidFill>
-                <a:srgbClr val="7030A0"/>
-              </a:solidFill>
-              <a:ln>
-                <a:noFill/>
-              </a:ln>
-              <a:effectLst>
-                <a:innerShdw blurRad="63500">
-                  <a:prstClr val="black"/>
-                </a:innerShdw>
-              </a:effectLst>
-            </p:spPr>
-            <p:style>
-              <a:lnRef idx="2">
-                <a:schemeClr val="accent1">
-                  <a:shade val="50000"/>
-                </a:schemeClr>
-              </a:lnRef>
-              <a:fillRef idx="1">
-                <a:schemeClr val="accent1"/>
-              </a:fillRef>
-              <a:effectRef idx="0">
-                <a:schemeClr val="accent1"/>
-              </a:effectRef>
-              <a:fontRef idx="minor">
-                <a:schemeClr val="lt1"/>
-              </a:fontRef>
-            </p:style>
-            <p:txBody>
-              <a:bodyPr rtlCol="0" anchor="ctr"/>
-              <a:lstStyle/>
-              <a:p>
-                <a:pPr algn="ctr"/>
-                <a:endParaRPr kumimoji="1" lang="ja-JP" altLang="en-US"/>
-              </a:p>
-            </p:txBody>
-          </p:sp>
-        </p:grpSp>
-        <p:grpSp>
-          <p:nvGrpSpPr>
-            <p:cNvPr id="54" name="グループ化 53"/>
-            <p:cNvGrpSpPr/>
-            <p:nvPr/>
-          </p:nvGrpSpPr>
-          <p:grpSpPr>
-            <a:xfrm>
-              <a:off x="5474779" y="3852917"/>
-              <a:ext cx="449351" cy="449351"/>
-              <a:chOff x="3747161" y="5274724"/>
-              <a:chExt cx="449351" cy="449351"/>
-            </a:xfrm>
-          </p:grpSpPr>
-          <p:sp>
-            <p:nvSpPr>
-              <p:cNvPr id="33" name="円/楕円 32"/>
-              <p:cNvSpPr/>
-              <p:nvPr/>
-            </p:nvSpPr>
-            <p:spPr>
-              <a:xfrm>
-                <a:off x="3747161" y="5274724"/>
-                <a:ext cx="449351" cy="449351"/>
-              </a:xfrm>
-              <a:prstGeom prst="ellipse">
-                <a:avLst/>
-              </a:prstGeom>
-              <a:solidFill>
-                <a:schemeClr val="bg1"/>
-              </a:solidFill>
-            </p:spPr>
-            <p:style>
-              <a:lnRef idx="2">
-                <a:schemeClr val="accent1">
-                  <a:shade val="50000"/>
-                </a:schemeClr>
-              </a:lnRef>
-              <a:fillRef idx="1">
-                <a:schemeClr val="accent1"/>
-              </a:fillRef>
-              <a:effectRef idx="0">
-                <a:schemeClr val="accent1"/>
-              </a:effectRef>
-              <a:fontRef idx="minor">
-                <a:schemeClr val="lt1"/>
-              </a:fontRef>
-            </p:style>
-            <p:txBody>
-              <a:bodyPr rtlCol="0" anchor="ctr"/>
-              <a:lstStyle/>
-              <a:p>
-                <a:pPr algn="ctr"/>
-                <a:endParaRPr kumimoji="1" lang="ja-JP" altLang="en-US"/>
-              </a:p>
-            </p:txBody>
-          </p:sp>
-          <p:sp>
-            <p:nvSpPr>
-              <p:cNvPr id="44" name="正方形/長方形 43"/>
-              <p:cNvSpPr/>
-              <p:nvPr/>
-            </p:nvSpPr>
-            <p:spPr>
-              <a:xfrm>
-                <a:off x="3992477" y="5428148"/>
-                <a:ext cx="45943" cy="142503"/>
-              </a:xfrm>
-              <a:prstGeom prst="rect">
-                <a:avLst/>
-              </a:prstGeom>
-              <a:solidFill>
-                <a:srgbClr val="7030A0"/>
-              </a:solidFill>
-              <a:ln>
-                <a:noFill/>
-              </a:ln>
-              <a:effectLst>
-                <a:innerShdw blurRad="63500">
-                  <a:prstClr val="black"/>
-                </a:innerShdw>
-              </a:effectLst>
-            </p:spPr>
-            <p:style>
-              <a:lnRef idx="2">
-                <a:schemeClr val="accent1">
-                  <a:shade val="50000"/>
-                </a:schemeClr>
-              </a:lnRef>
-              <a:fillRef idx="1">
-                <a:schemeClr val="accent1"/>
-              </a:fillRef>
-              <a:effectRef idx="0">
-                <a:schemeClr val="accent1"/>
-              </a:effectRef>
-              <a:fontRef idx="minor">
-                <a:schemeClr val="lt1"/>
-              </a:fontRef>
-            </p:style>
-            <p:txBody>
-              <a:bodyPr rtlCol="0" anchor="ctr"/>
-              <a:lstStyle/>
-              <a:p>
-                <a:pPr algn="ctr"/>
-                <a:endParaRPr kumimoji="1" lang="ja-JP" altLang="en-US"/>
-              </a:p>
-            </p:txBody>
-          </p:sp>
-          <p:sp>
-            <p:nvSpPr>
-              <p:cNvPr id="45" name="正方形/長方形 44"/>
-              <p:cNvSpPr/>
-              <p:nvPr/>
-            </p:nvSpPr>
-            <p:spPr>
-              <a:xfrm>
-                <a:off x="3905253" y="5428148"/>
-                <a:ext cx="45943" cy="142503"/>
-              </a:xfrm>
-              <a:prstGeom prst="rect">
-                <a:avLst/>
-              </a:prstGeom>
-              <a:solidFill>
-                <a:srgbClr val="7030A0"/>
-              </a:solidFill>
-              <a:ln>
-                <a:noFill/>
-              </a:ln>
-              <a:effectLst>
-                <a:innerShdw blurRad="63500">
-                  <a:prstClr val="black"/>
-                </a:innerShdw>
-              </a:effectLst>
-            </p:spPr>
-            <p:style>
-              <a:lnRef idx="2">
-                <a:schemeClr val="accent1">
-                  <a:shade val="50000"/>
-                </a:schemeClr>
-              </a:lnRef>
-              <a:fillRef idx="1">
-                <a:schemeClr val="accent1"/>
-              </a:fillRef>
-              <a:effectRef idx="0">
-                <a:schemeClr val="accent1"/>
-              </a:effectRef>
-              <a:fontRef idx="minor">
-                <a:schemeClr val="lt1"/>
-              </a:fontRef>
-            </p:style>
-            <p:txBody>
-              <a:bodyPr rtlCol="0" anchor="ctr"/>
-              <a:lstStyle/>
-              <a:p>
-                <a:pPr algn="ctr"/>
-                <a:endParaRPr kumimoji="1" lang="ja-JP" altLang="en-US"/>
-              </a:p>
-            </p:txBody>
-          </p:sp>
-        </p:grpSp>
         <p:sp>
           <p:nvSpPr>
-            <p:cNvPr id="58" name="テキスト ボックス 57"/>
-            <p:cNvSpPr txBox="1"/>
+            <p:cNvPr id="2" name="円/楕円 1"/>
+            <p:cNvSpPr/>
             <p:nvPr/>
           </p:nvSpPr>
           <p:spPr>
             <a:xfrm>
-              <a:off x="2578821" y="3211796"/>
-              <a:ext cx="989373" cy="369332"/>
+              <a:off x="4449106" y="4656891"/>
+              <a:ext cx="449351" cy="449351"/>
             </a:xfrm>
-            <a:prstGeom prst="rect">
+            <a:prstGeom prst="ellipse">
               <a:avLst/>
             </a:prstGeom>
-            <a:noFill/>
+            <a:solidFill>
+              <a:schemeClr val="bg1"/>
+            </a:solidFill>
           </p:spPr>
+          <p:style>
+            <a:lnRef idx="2">
+              <a:schemeClr val="accent1">
+                <a:shade val="50000"/>
+              </a:schemeClr>
+            </a:lnRef>
+            <a:fillRef idx="1">
+              <a:schemeClr val="accent1"/>
+            </a:fillRef>
+            <a:effectRef idx="0">
+              <a:schemeClr val="accent1"/>
+            </a:effectRef>
+            <a:fontRef idx="minor">
+              <a:schemeClr val="lt1"/>
+            </a:fontRef>
+          </p:style>
           <p:txBody>
-            <a:bodyPr wrap="none" rtlCol="0">
-              <a:spAutoFit/>
-            </a:bodyPr>
+            <a:bodyPr rtlCol="0" anchor="ctr"/>
             <a:lstStyle/>
             <a:p>
-              <a:r>
-                <a:rPr kumimoji="1" lang="en-US" altLang="ja-JP" dirty="0" smtClean="0"/>
-                <a:t>default</a:t>
-              </a:r>
-              <a:endParaRPr kumimoji="1" lang="ja-JP" altLang="en-US" dirty="0"/>
+              <a:pPr algn="ctr"/>
+              <a:endParaRPr kumimoji="1" lang="ja-JP" altLang="en-US"/>
             </a:p>
           </p:txBody>
         </p:sp>
         <p:sp>
           <p:nvSpPr>
-            <p:cNvPr id="59" name="テキスト ボックス 58"/>
-            <p:cNvSpPr txBox="1"/>
+            <p:cNvPr id="3" name="正方形/長方形 2"/>
+            <p:cNvSpPr/>
             <p:nvPr/>
           </p:nvSpPr>
           <p:spPr>
             <a:xfrm>
-              <a:off x="2578821" y="3892926"/>
-              <a:ext cx="713657" cy="369332"/>
+              <a:off x="4602530" y="4810315"/>
+              <a:ext cx="142503" cy="142503"/>
             </a:xfrm>
             <a:prstGeom prst="rect">
               <a:avLst/>
             </a:prstGeom>
-            <a:noFill/>
+            <a:ln>
+              <a:noFill/>
+            </a:ln>
+            <a:effectLst>
+              <a:innerShdw blurRad="38100">
+                <a:prstClr val="black"/>
+              </a:innerShdw>
+            </a:effectLst>
           </p:spPr>
+          <p:style>
+            <a:lnRef idx="2">
+              <a:schemeClr val="accent1">
+                <a:shade val="50000"/>
+              </a:schemeClr>
+            </a:lnRef>
+            <a:fillRef idx="1">
+              <a:schemeClr val="accent1"/>
+            </a:fillRef>
+            <a:effectRef idx="0">
+              <a:schemeClr val="accent1"/>
+            </a:effectRef>
+            <a:fontRef idx="minor">
+              <a:schemeClr val="lt1"/>
+            </a:fontRef>
+          </p:style>
           <p:txBody>
-            <a:bodyPr wrap="none" rtlCol="0">
-              <a:spAutoFit/>
-            </a:bodyPr>
+            <a:bodyPr rtlCol="0" anchor="ctr"/>
             <a:lstStyle/>
             <a:p>
-              <a:r>
-                <a:rPr kumimoji="1" lang="en-US" altLang="ja-JP" dirty="0" smtClean="0"/>
-                <a:t>push</a:t>
-              </a:r>
-              <a:endParaRPr kumimoji="1" lang="ja-JP" altLang="en-US" dirty="0"/>
+              <a:pPr algn="ctr"/>
+              <a:endParaRPr kumimoji="1" lang="ja-JP" altLang="en-US"/>
+            </a:p>
+          </p:txBody>
+        </p:sp>
+      </p:grpSp>
+      <p:grpSp>
+        <p:nvGrpSpPr>
+          <p:cNvPr id="50" name="グループ化 49"/>
+          <p:cNvGrpSpPr/>
+          <p:nvPr/>
+        </p:nvGrpSpPr>
+        <p:grpSpPr>
+          <a:xfrm>
+            <a:off x="5315271" y="2506351"/>
+            <a:ext cx="449351" cy="449351"/>
+            <a:chOff x="3047344" y="4656891"/>
+            <a:chExt cx="449351" cy="449351"/>
+          </a:xfrm>
+        </p:grpSpPr>
+        <p:sp>
+          <p:nvSpPr>
+            <p:cNvPr id="12" name="円/楕円 11"/>
+            <p:cNvSpPr/>
+            <p:nvPr/>
+          </p:nvSpPr>
+          <p:spPr>
+            <a:xfrm>
+              <a:off x="3047344" y="4656891"/>
+              <a:ext cx="449351" cy="449351"/>
+            </a:xfrm>
+            <a:prstGeom prst="ellipse">
+              <a:avLst/>
+            </a:prstGeom>
+            <a:solidFill>
+              <a:schemeClr val="bg1"/>
+            </a:solidFill>
+          </p:spPr>
+          <p:style>
+            <a:lnRef idx="2">
+              <a:schemeClr val="accent1">
+                <a:shade val="50000"/>
+              </a:schemeClr>
+            </a:lnRef>
+            <a:fillRef idx="1">
+              <a:schemeClr val="accent1"/>
+            </a:fillRef>
+            <a:effectRef idx="0">
+              <a:schemeClr val="accent1"/>
+            </a:effectRef>
+            <a:fontRef idx="minor">
+              <a:schemeClr val="lt1"/>
+            </a:fontRef>
+          </p:style>
+          <p:txBody>
+            <a:bodyPr rtlCol="0" anchor="ctr"/>
+            <a:lstStyle/>
+            <a:p>
+              <a:pPr algn="ctr"/>
+              <a:endParaRPr kumimoji="1" lang="ja-JP" altLang="en-US"/>
             </a:p>
           </p:txBody>
         </p:sp>
         <p:sp>
           <p:nvSpPr>
-            <p:cNvPr id="60" name="テキスト ボックス 59"/>
-            <p:cNvSpPr txBox="1"/>
+            <p:cNvPr id="17" name="二等辺三角形 16"/>
+            <p:cNvSpPr/>
+            <p:nvPr/>
+          </p:nvSpPr>
+          <p:spPr>
+            <a:xfrm rot="5400000">
+              <a:off x="3172578" y="4795841"/>
+              <a:ext cx="198882" cy="171450"/>
+            </a:xfrm>
+            <a:prstGeom prst="triangle">
+              <a:avLst/>
+            </a:prstGeom>
+            <a:ln>
+              <a:noFill/>
+            </a:ln>
+            <a:effectLst>
+              <a:innerShdw blurRad="38100">
+                <a:prstClr val="black"/>
+              </a:innerShdw>
+            </a:effectLst>
+          </p:spPr>
+          <p:style>
+            <a:lnRef idx="2">
+              <a:schemeClr val="accent1">
+                <a:shade val="50000"/>
+              </a:schemeClr>
+            </a:lnRef>
+            <a:fillRef idx="1">
+              <a:schemeClr val="accent1"/>
+            </a:fillRef>
+            <a:effectRef idx="0">
+              <a:schemeClr val="accent1"/>
+            </a:effectRef>
+            <a:fontRef idx="minor">
+              <a:schemeClr val="lt1"/>
+            </a:fontRef>
+          </p:style>
+          <p:txBody>
+            <a:bodyPr rtlCol="0" anchor="ctr"/>
+            <a:lstStyle/>
+            <a:p>
+              <a:pPr algn="ctr"/>
+              <a:endParaRPr kumimoji="1" lang="ja-JP" altLang="en-US"/>
+            </a:p>
+          </p:txBody>
+        </p:sp>
+      </p:grpSp>
+      <p:grpSp>
+        <p:nvGrpSpPr>
+          <p:cNvPr id="47" name="グループ化 46"/>
+          <p:cNvGrpSpPr/>
+          <p:nvPr/>
+        </p:nvGrpSpPr>
+        <p:grpSpPr>
+          <a:xfrm>
+            <a:off x="7361751" y="2506351"/>
+            <a:ext cx="449351" cy="449351"/>
+            <a:chOff x="5373599" y="4656891"/>
+            <a:chExt cx="449351" cy="449351"/>
+          </a:xfrm>
+        </p:grpSpPr>
+        <p:sp>
+          <p:nvSpPr>
+            <p:cNvPr id="6" name="円/楕円 5"/>
+            <p:cNvSpPr/>
             <p:nvPr/>
           </p:nvSpPr>
           <p:spPr>
             <a:xfrm>
-              <a:off x="2648296" y="4583363"/>
-              <a:ext cx="824265" cy="369332"/>
+              <a:off x="5373599" y="4656891"/>
+              <a:ext cx="449351" cy="449351"/>
+            </a:xfrm>
+            <a:prstGeom prst="ellipse">
+              <a:avLst/>
+            </a:prstGeom>
+            <a:solidFill>
+              <a:schemeClr val="bg1"/>
+            </a:solidFill>
+          </p:spPr>
+          <p:style>
+            <a:lnRef idx="2">
+              <a:schemeClr val="accent1">
+                <a:shade val="50000"/>
+              </a:schemeClr>
+            </a:lnRef>
+            <a:fillRef idx="1">
+              <a:schemeClr val="accent1"/>
+            </a:fillRef>
+            <a:effectRef idx="0">
+              <a:schemeClr val="accent1"/>
+            </a:effectRef>
+            <a:fontRef idx="minor">
+              <a:schemeClr val="lt1"/>
+            </a:fontRef>
+          </p:style>
+          <p:txBody>
+            <a:bodyPr rtlCol="0" anchor="ctr"/>
+            <a:lstStyle/>
+            <a:p>
+              <a:pPr algn="ctr"/>
+              <a:endParaRPr kumimoji="1" lang="ja-JP" altLang="en-US"/>
+            </a:p>
+          </p:txBody>
+        </p:sp>
+        <p:sp>
+          <p:nvSpPr>
+            <p:cNvPr id="20" name="山形 19"/>
+            <p:cNvSpPr/>
+            <p:nvPr/>
+          </p:nvSpPr>
+          <p:spPr>
+            <a:xfrm>
+              <a:off x="5516937" y="4783141"/>
+              <a:ext cx="162674" cy="196850"/>
+            </a:xfrm>
+            <a:prstGeom prst="chevron">
+              <a:avLst/>
+            </a:prstGeom>
+            <a:ln>
+              <a:noFill/>
+            </a:ln>
+            <a:effectLst>
+              <a:innerShdw blurRad="38100">
+                <a:prstClr val="black"/>
+              </a:innerShdw>
+            </a:effectLst>
+          </p:spPr>
+          <p:style>
+            <a:lnRef idx="2">
+              <a:schemeClr val="accent1">
+                <a:shade val="50000"/>
+              </a:schemeClr>
+            </a:lnRef>
+            <a:fillRef idx="1">
+              <a:schemeClr val="accent1"/>
+            </a:fillRef>
+            <a:effectRef idx="0">
+              <a:schemeClr val="accent1"/>
+            </a:effectRef>
+            <a:fontRef idx="minor">
+              <a:schemeClr val="lt1"/>
+            </a:fontRef>
+          </p:style>
+          <p:txBody>
+            <a:bodyPr rtlCol="0" anchor="ctr"/>
+            <a:lstStyle/>
+            <a:p>
+              <a:pPr algn="ctr"/>
+              <a:endParaRPr kumimoji="1" lang="ja-JP" altLang="en-US">
+                <a:solidFill>
+                  <a:schemeClr val="tx1"/>
+                </a:solidFill>
+              </a:endParaRPr>
+            </a:p>
+          </p:txBody>
+        </p:sp>
+      </p:grpSp>
+      <p:grpSp>
+        <p:nvGrpSpPr>
+          <p:cNvPr id="46" name="グループ化 45"/>
+          <p:cNvGrpSpPr/>
+          <p:nvPr/>
+        </p:nvGrpSpPr>
+        <p:grpSpPr>
+          <a:xfrm>
+            <a:off x="8043912" y="2506351"/>
+            <a:ext cx="449351" cy="449351"/>
+            <a:chOff x="5910174" y="4656891"/>
+            <a:chExt cx="449351" cy="449351"/>
+          </a:xfrm>
+        </p:grpSpPr>
+        <p:sp>
+          <p:nvSpPr>
+            <p:cNvPr id="9" name="円/楕円 8"/>
+            <p:cNvSpPr/>
+            <p:nvPr/>
+          </p:nvSpPr>
+          <p:spPr>
+            <a:xfrm>
+              <a:off x="5910174" y="4656891"/>
+              <a:ext cx="449351" cy="449351"/>
+            </a:xfrm>
+            <a:prstGeom prst="ellipse">
+              <a:avLst/>
+            </a:prstGeom>
+            <a:solidFill>
+              <a:schemeClr val="bg1"/>
+            </a:solidFill>
+          </p:spPr>
+          <p:style>
+            <a:lnRef idx="2">
+              <a:schemeClr val="accent1">
+                <a:shade val="50000"/>
+              </a:schemeClr>
+            </a:lnRef>
+            <a:fillRef idx="1">
+              <a:schemeClr val="accent1"/>
+            </a:fillRef>
+            <a:effectRef idx="0">
+              <a:schemeClr val="accent1"/>
+            </a:effectRef>
+            <a:fontRef idx="minor">
+              <a:schemeClr val="lt1"/>
+            </a:fontRef>
+          </p:style>
+          <p:txBody>
+            <a:bodyPr rtlCol="0" anchor="ctr"/>
+            <a:lstStyle/>
+            <a:p>
+              <a:pPr algn="ctr"/>
+              <a:endParaRPr kumimoji="1" lang="ja-JP" altLang="en-US"/>
+            </a:p>
+          </p:txBody>
+        </p:sp>
+        <p:sp>
+          <p:nvSpPr>
+            <p:cNvPr id="21" name="山形 20"/>
+            <p:cNvSpPr/>
+            <p:nvPr/>
+          </p:nvSpPr>
+          <p:spPr>
+            <a:xfrm rot="10800000">
+              <a:off x="6053513" y="4783141"/>
+              <a:ext cx="162674" cy="196850"/>
+            </a:xfrm>
+            <a:prstGeom prst="chevron">
+              <a:avLst/>
+            </a:prstGeom>
+            <a:ln>
+              <a:noFill/>
+            </a:ln>
+            <a:effectLst>
+              <a:innerShdw blurRad="38100">
+                <a:prstClr val="black"/>
+              </a:innerShdw>
+            </a:effectLst>
+          </p:spPr>
+          <p:style>
+            <a:lnRef idx="2">
+              <a:schemeClr val="accent1">
+                <a:shade val="50000"/>
+              </a:schemeClr>
+            </a:lnRef>
+            <a:fillRef idx="1">
+              <a:schemeClr val="accent1"/>
+            </a:fillRef>
+            <a:effectRef idx="0">
+              <a:schemeClr val="accent1"/>
+            </a:effectRef>
+            <a:fontRef idx="minor">
+              <a:schemeClr val="lt1"/>
+            </a:fontRef>
+          </p:style>
+          <p:txBody>
+            <a:bodyPr rtlCol="0" anchor="ctr"/>
+            <a:lstStyle/>
+            <a:p>
+              <a:pPr algn="ctr"/>
+              <a:endParaRPr kumimoji="1" lang="ja-JP" altLang="en-US">
+                <a:solidFill>
+                  <a:schemeClr val="tx1"/>
+                </a:solidFill>
+              </a:endParaRPr>
+            </a:p>
+          </p:txBody>
+        </p:sp>
+      </p:grpSp>
+      <p:grpSp>
+        <p:nvGrpSpPr>
+          <p:cNvPr id="51" name="グループ化 50"/>
+          <p:cNvGrpSpPr/>
+          <p:nvPr/>
+        </p:nvGrpSpPr>
+        <p:grpSpPr>
+          <a:xfrm>
+            <a:off x="4633111" y="2506351"/>
+            <a:ext cx="449351" cy="449351"/>
+            <a:chOff x="2499373" y="4656891"/>
+            <a:chExt cx="449351" cy="449351"/>
+          </a:xfrm>
+        </p:grpSpPr>
+        <p:sp>
+          <p:nvSpPr>
+            <p:cNvPr id="22" name="円/楕円 21"/>
+            <p:cNvSpPr/>
+            <p:nvPr/>
+          </p:nvSpPr>
+          <p:spPr>
+            <a:xfrm>
+              <a:off x="2499373" y="4656891"/>
+              <a:ext cx="449351" cy="449351"/>
+            </a:xfrm>
+            <a:prstGeom prst="ellipse">
+              <a:avLst/>
+            </a:prstGeom>
+            <a:solidFill>
+              <a:schemeClr val="bg1"/>
+            </a:solidFill>
+          </p:spPr>
+          <p:style>
+            <a:lnRef idx="2">
+              <a:schemeClr val="accent1">
+                <a:shade val="50000"/>
+              </a:schemeClr>
+            </a:lnRef>
+            <a:fillRef idx="1">
+              <a:schemeClr val="accent1"/>
+            </a:fillRef>
+            <a:effectRef idx="0">
+              <a:schemeClr val="accent1"/>
+            </a:effectRef>
+            <a:fontRef idx="minor">
+              <a:schemeClr val="lt1"/>
+            </a:fontRef>
+          </p:style>
+          <p:txBody>
+            <a:bodyPr rtlCol="0" anchor="ctr"/>
+            <a:lstStyle/>
+            <a:p>
+              <a:pPr algn="ctr"/>
+              <a:endParaRPr kumimoji="1" lang="ja-JP" altLang="en-US"/>
+            </a:p>
+          </p:txBody>
+        </p:sp>
+        <p:sp>
+          <p:nvSpPr>
+            <p:cNvPr id="16" name="正方形/長方形 15"/>
+            <p:cNvSpPr/>
+            <p:nvPr/>
+          </p:nvSpPr>
+          <p:spPr>
+            <a:xfrm>
+              <a:off x="2604565" y="4782126"/>
+              <a:ext cx="45719" cy="198882"/>
             </a:xfrm>
             <a:prstGeom prst="rect">
               <a:avLst/>
             </a:prstGeom>
-            <a:noFill/>
+            <a:ln>
+              <a:noFill/>
+            </a:ln>
+            <a:effectLst>
+              <a:innerShdw blurRad="38100">
+                <a:prstClr val="black"/>
+              </a:innerShdw>
+            </a:effectLst>
           </p:spPr>
+          <p:style>
+            <a:lnRef idx="2">
+              <a:schemeClr val="accent1">
+                <a:shade val="50000"/>
+              </a:schemeClr>
+            </a:lnRef>
+            <a:fillRef idx="1">
+              <a:schemeClr val="accent1"/>
+            </a:fillRef>
+            <a:effectRef idx="0">
+              <a:schemeClr val="accent1"/>
+            </a:effectRef>
+            <a:fontRef idx="minor">
+              <a:schemeClr val="lt1"/>
+            </a:fontRef>
+          </p:style>
           <p:txBody>
-            <a:bodyPr wrap="none" rtlCol="0">
-              <a:spAutoFit/>
-            </a:bodyPr>
+            <a:bodyPr rtlCol="0" anchor="ctr"/>
             <a:lstStyle/>
             <a:p>
-              <a:r>
-                <a:rPr kumimoji="1" lang="en-US" altLang="ja-JP" dirty="0" smtClean="0"/>
-                <a:t>hover</a:t>
-              </a:r>
-              <a:endParaRPr kumimoji="1" lang="ja-JP" altLang="en-US" dirty="0"/>
+              <a:pPr algn="ctr"/>
+              <a:endParaRPr kumimoji="1" lang="ja-JP" altLang="en-US"/>
             </a:p>
           </p:txBody>
         </p:sp>
-        <p:grpSp>
-          <p:nvGrpSpPr>
-            <p:cNvPr id="84" name="グループ化 83"/>
-            <p:cNvGrpSpPr/>
+        <p:sp>
+          <p:nvSpPr>
+            <p:cNvPr id="23" name="二等辺三角形 22"/>
+            <p:cNvSpPr/>
             <p:nvPr/>
-          </p:nvGrpSpPr>
-          <p:grpSpPr>
+          </p:nvSpPr>
+          <p:spPr>
+            <a:xfrm rot="5400000">
+              <a:off x="2672234" y="4809709"/>
+              <a:ext cx="198882" cy="143713"/>
+            </a:xfrm>
+            <a:prstGeom prst="triangle">
+              <a:avLst/>
+            </a:prstGeom>
+            <a:ln>
+              <a:noFill/>
+            </a:ln>
+            <a:effectLst>
+              <a:innerShdw blurRad="38100">
+                <a:prstClr val="black"/>
+              </a:innerShdw>
+            </a:effectLst>
+          </p:spPr>
+          <p:style>
+            <a:lnRef idx="2">
+              <a:schemeClr val="accent1">
+                <a:shade val="50000"/>
+              </a:schemeClr>
+            </a:lnRef>
+            <a:fillRef idx="1">
+              <a:schemeClr val="accent1"/>
+            </a:fillRef>
+            <a:effectRef idx="0">
+              <a:schemeClr val="accent1"/>
+            </a:effectRef>
+            <a:fontRef idx="minor">
+              <a:schemeClr val="lt1"/>
+            </a:fontRef>
+          </p:style>
+          <p:txBody>
+            <a:bodyPr rtlCol="0" anchor="ctr"/>
+            <a:lstStyle/>
+            <a:p>
+              <a:pPr algn="ctr"/>
+              <a:endParaRPr kumimoji="1" lang="ja-JP" altLang="en-US"/>
+            </a:p>
+          </p:txBody>
+        </p:sp>
+      </p:grpSp>
+      <p:grpSp>
+        <p:nvGrpSpPr>
+          <p:cNvPr id="49" name="グループ化 48"/>
+          <p:cNvGrpSpPr/>
+          <p:nvPr/>
+        </p:nvGrpSpPr>
+        <p:grpSpPr>
+          <a:xfrm>
+            <a:off x="5997431" y="2506351"/>
+            <a:ext cx="449351" cy="449351"/>
+            <a:chOff x="3747161" y="4656891"/>
+            <a:chExt cx="449351" cy="449351"/>
+          </a:xfrm>
+        </p:grpSpPr>
+        <p:sp>
+          <p:nvSpPr>
+            <p:cNvPr id="15" name="円/楕円 14"/>
+            <p:cNvSpPr/>
+            <p:nvPr/>
+          </p:nvSpPr>
+          <p:spPr>
+            <a:xfrm>
+              <a:off x="3747161" y="4656891"/>
+              <a:ext cx="449351" cy="449351"/>
+            </a:xfrm>
+            <a:prstGeom prst="ellipse">
+              <a:avLst/>
+            </a:prstGeom>
+            <a:solidFill>
+              <a:schemeClr val="bg1"/>
+            </a:solidFill>
+          </p:spPr>
+          <p:style>
+            <a:lnRef idx="2">
+              <a:schemeClr val="accent1">
+                <a:shade val="50000"/>
+              </a:schemeClr>
+            </a:lnRef>
+            <a:fillRef idx="1">
+              <a:schemeClr val="accent1"/>
+            </a:fillRef>
+            <a:effectRef idx="0">
+              <a:schemeClr val="accent1"/>
+            </a:effectRef>
+            <a:fontRef idx="minor">
+              <a:schemeClr val="lt1"/>
+            </a:fontRef>
+          </p:style>
+          <p:txBody>
+            <a:bodyPr rtlCol="0" anchor="ctr"/>
+            <a:lstStyle/>
+            <a:p>
+              <a:pPr algn="ctr"/>
+              <a:endParaRPr kumimoji="1" lang="ja-JP" altLang="en-US"/>
+            </a:p>
+          </p:txBody>
+        </p:sp>
+        <p:sp>
+          <p:nvSpPr>
+            <p:cNvPr id="18" name="正方形/長方形 17"/>
+            <p:cNvSpPr/>
+            <p:nvPr/>
+          </p:nvSpPr>
+          <p:spPr>
+            <a:xfrm>
+              <a:off x="3992477" y="4810315"/>
+              <a:ext cx="45943" cy="142503"/>
+            </a:xfrm>
+            <a:prstGeom prst="rect">
+              <a:avLst/>
+            </a:prstGeom>
+            <a:ln>
+              <a:noFill/>
+            </a:ln>
+            <a:effectLst>
+              <a:innerShdw blurRad="38100">
+                <a:prstClr val="black"/>
+              </a:innerShdw>
+            </a:effectLst>
+          </p:spPr>
+          <p:style>
+            <a:lnRef idx="2">
+              <a:schemeClr val="accent1">
+                <a:shade val="50000"/>
+              </a:schemeClr>
+            </a:lnRef>
+            <a:fillRef idx="1">
+              <a:schemeClr val="accent1"/>
+            </a:fillRef>
+            <a:effectRef idx="0">
+              <a:schemeClr val="accent1"/>
+            </a:effectRef>
+            <a:fontRef idx="minor">
+              <a:schemeClr val="lt1"/>
+            </a:fontRef>
+          </p:style>
+          <p:txBody>
+            <a:bodyPr rtlCol="0" anchor="ctr"/>
+            <a:lstStyle/>
+            <a:p>
+              <a:pPr algn="ctr"/>
+              <a:endParaRPr kumimoji="1" lang="ja-JP" altLang="en-US"/>
+            </a:p>
+          </p:txBody>
+        </p:sp>
+        <p:sp>
+          <p:nvSpPr>
+            <p:cNvPr id="26" name="正方形/長方形 25"/>
+            <p:cNvSpPr/>
+            <p:nvPr/>
+          </p:nvSpPr>
+          <p:spPr>
+            <a:xfrm>
+              <a:off x="3905253" y="4810315"/>
+              <a:ext cx="45943" cy="142503"/>
+            </a:xfrm>
+            <a:prstGeom prst="rect">
+              <a:avLst/>
+            </a:prstGeom>
+            <a:ln>
+              <a:noFill/>
+            </a:ln>
+            <a:effectLst>
+              <a:innerShdw blurRad="38100">
+                <a:prstClr val="black"/>
+              </a:innerShdw>
+            </a:effectLst>
+          </p:spPr>
+          <p:style>
+            <a:lnRef idx="2">
+              <a:schemeClr val="accent1">
+                <a:shade val="50000"/>
+              </a:schemeClr>
+            </a:lnRef>
+            <a:fillRef idx="1">
+              <a:schemeClr val="accent1"/>
+            </a:fillRef>
+            <a:effectRef idx="0">
+              <a:schemeClr val="accent1"/>
+            </a:effectRef>
+            <a:fontRef idx="minor">
+              <a:schemeClr val="lt1"/>
+            </a:fontRef>
+          </p:style>
+          <p:txBody>
+            <a:bodyPr rtlCol="0" anchor="ctr"/>
+            <a:lstStyle/>
+            <a:p>
+              <a:pPr algn="ctr"/>
+              <a:endParaRPr kumimoji="1" lang="ja-JP" altLang="en-US"/>
+            </a:p>
+          </p:txBody>
+        </p:sp>
+      </p:grpSp>
+      <p:grpSp>
+        <p:nvGrpSpPr>
+          <p:cNvPr id="55" name="グループ化 54"/>
+          <p:cNvGrpSpPr/>
+          <p:nvPr/>
+        </p:nvGrpSpPr>
+        <p:grpSpPr>
+          <a:xfrm>
+            <a:off x="6679591" y="3211862"/>
+            <a:ext cx="449351" cy="449351"/>
+            <a:chOff x="4449106" y="5274724"/>
+            <a:chExt cx="449351" cy="449351"/>
+          </a:xfrm>
+        </p:grpSpPr>
+        <p:sp>
+          <p:nvSpPr>
+            <p:cNvPr id="29" name="円/楕円 28"/>
+            <p:cNvSpPr/>
+            <p:nvPr/>
+          </p:nvSpPr>
+          <p:spPr>
+            <a:xfrm>
+              <a:off x="4449106" y="5274724"/>
+              <a:ext cx="449351" cy="449351"/>
+            </a:xfrm>
+            <a:prstGeom prst="ellipse">
+              <a:avLst/>
+            </a:prstGeom>
+            <a:solidFill>
+              <a:schemeClr val="bg1"/>
+            </a:solidFill>
+          </p:spPr>
+          <p:style>
+            <a:lnRef idx="2">
+              <a:schemeClr val="accent1">
+                <a:shade val="50000"/>
+              </a:schemeClr>
+            </a:lnRef>
+            <a:fillRef idx="1">
+              <a:schemeClr val="accent1"/>
+            </a:fillRef>
+            <a:effectRef idx="0">
+              <a:schemeClr val="accent1"/>
+            </a:effectRef>
+            <a:fontRef idx="minor">
+              <a:schemeClr val="lt1"/>
+            </a:fontRef>
+          </p:style>
+          <p:txBody>
+            <a:bodyPr rtlCol="0" anchor="ctr"/>
+            <a:lstStyle/>
+            <a:p>
+              <a:pPr algn="ctr"/>
+              <a:endParaRPr kumimoji="1" lang="ja-JP" altLang="en-US"/>
+            </a:p>
+          </p:txBody>
+        </p:sp>
+        <p:sp>
+          <p:nvSpPr>
+            <p:cNvPr id="30" name="正方形/長方形 29"/>
+            <p:cNvSpPr/>
+            <p:nvPr/>
+          </p:nvSpPr>
+          <p:spPr>
+            <a:xfrm>
+              <a:off x="4602530" y="5428148"/>
+              <a:ext cx="142503" cy="142503"/>
+            </a:xfrm>
+            <a:prstGeom prst="rect">
+              <a:avLst/>
+            </a:prstGeom>
+            <a:solidFill>
+              <a:srgbClr val="7030A0"/>
+            </a:solidFill>
+            <a:ln>
+              <a:noFill/>
+            </a:ln>
+            <a:effectLst>
+              <a:innerShdw blurRad="63500">
+                <a:prstClr val="black"/>
+              </a:innerShdw>
+            </a:effectLst>
+          </p:spPr>
+          <p:style>
+            <a:lnRef idx="2">
+              <a:schemeClr val="accent1">
+                <a:shade val="50000"/>
+              </a:schemeClr>
+            </a:lnRef>
+            <a:fillRef idx="1">
+              <a:schemeClr val="accent1"/>
+            </a:fillRef>
+            <a:effectRef idx="0">
+              <a:schemeClr val="accent1"/>
+            </a:effectRef>
+            <a:fontRef idx="minor">
+              <a:schemeClr val="lt1"/>
+            </a:fontRef>
+          </p:style>
+          <p:txBody>
+            <a:bodyPr rtlCol="0" anchor="ctr"/>
+            <a:lstStyle/>
+            <a:p>
+              <a:pPr algn="ctr"/>
+              <a:endParaRPr kumimoji="1" lang="ja-JP" altLang="en-US"/>
+            </a:p>
+          </p:txBody>
+        </p:sp>
+      </p:grpSp>
+      <p:grpSp>
+        <p:nvGrpSpPr>
+          <p:cNvPr id="53" name="グループ化 52"/>
+          <p:cNvGrpSpPr/>
+          <p:nvPr/>
+        </p:nvGrpSpPr>
+        <p:grpSpPr>
+          <a:xfrm>
+            <a:off x="5315271" y="3211862"/>
+            <a:ext cx="449351" cy="449351"/>
+            <a:chOff x="3047344" y="5274724"/>
+            <a:chExt cx="449351" cy="449351"/>
+          </a:xfrm>
+        </p:grpSpPr>
+        <p:sp>
+          <p:nvSpPr>
+            <p:cNvPr id="35" name="円/楕円 34"/>
+            <p:cNvSpPr/>
+            <p:nvPr/>
+          </p:nvSpPr>
+          <p:spPr>
+            <a:xfrm>
+              <a:off x="3047344" y="5274724"/>
+              <a:ext cx="449351" cy="449351"/>
+            </a:xfrm>
+            <a:prstGeom prst="ellipse">
+              <a:avLst/>
+            </a:prstGeom>
+            <a:solidFill>
+              <a:schemeClr val="bg1"/>
+            </a:solidFill>
+          </p:spPr>
+          <p:style>
+            <a:lnRef idx="2">
+              <a:schemeClr val="accent1">
+                <a:shade val="50000"/>
+              </a:schemeClr>
+            </a:lnRef>
+            <a:fillRef idx="1">
+              <a:schemeClr val="accent1"/>
+            </a:fillRef>
+            <a:effectRef idx="0">
+              <a:schemeClr val="accent1"/>
+            </a:effectRef>
+            <a:fontRef idx="minor">
+              <a:schemeClr val="lt1"/>
+            </a:fontRef>
+          </p:style>
+          <p:txBody>
+            <a:bodyPr rtlCol="0" anchor="ctr"/>
+            <a:lstStyle/>
+            <a:p>
+              <a:pPr algn="ctr"/>
+              <a:endParaRPr kumimoji="1" lang="ja-JP" altLang="en-US"/>
+            </a:p>
+          </p:txBody>
+        </p:sp>
+        <p:sp>
+          <p:nvSpPr>
+            <p:cNvPr id="36" name="二等辺三角形 35"/>
+            <p:cNvSpPr/>
+            <p:nvPr/>
+          </p:nvSpPr>
+          <p:spPr>
+            <a:xfrm rot="5400000">
+              <a:off x="3172578" y="5413674"/>
+              <a:ext cx="198882" cy="171450"/>
+            </a:xfrm>
+            <a:prstGeom prst="triangle">
+              <a:avLst/>
+            </a:prstGeom>
+            <a:solidFill>
+              <a:srgbClr val="7030A0"/>
+            </a:solidFill>
+            <a:ln>
+              <a:noFill/>
+            </a:ln>
+            <a:effectLst>
+              <a:innerShdw blurRad="63500">
+                <a:prstClr val="black"/>
+              </a:innerShdw>
+            </a:effectLst>
+          </p:spPr>
+          <p:style>
+            <a:lnRef idx="2">
+              <a:schemeClr val="accent1">
+                <a:shade val="50000"/>
+              </a:schemeClr>
+            </a:lnRef>
+            <a:fillRef idx="1">
+              <a:schemeClr val="accent1"/>
+            </a:fillRef>
+            <a:effectRef idx="0">
+              <a:schemeClr val="accent1"/>
+            </a:effectRef>
+            <a:fontRef idx="minor">
+              <a:schemeClr val="lt1"/>
+            </a:fontRef>
+          </p:style>
+          <p:txBody>
+            <a:bodyPr rtlCol="0" anchor="ctr"/>
+            <a:lstStyle/>
+            <a:p>
+              <a:pPr algn="ctr"/>
+              <a:endParaRPr kumimoji="1" lang="ja-JP" altLang="en-US"/>
+            </a:p>
+          </p:txBody>
+        </p:sp>
+      </p:grpSp>
+      <p:grpSp>
+        <p:nvGrpSpPr>
+          <p:cNvPr id="56" name="グループ化 55"/>
+          <p:cNvGrpSpPr/>
+          <p:nvPr/>
+        </p:nvGrpSpPr>
+        <p:grpSpPr>
+          <a:xfrm>
+            <a:off x="7361751" y="3211862"/>
+            <a:ext cx="449351" cy="449351"/>
+            <a:chOff x="5373599" y="5274724"/>
+            <a:chExt cx="449351" cy="449351"/>
+          </a:xfrm>
+        </p:grpSpPr>
+        <p:sp>
+          <p:nvSpPr>
+            <p:cNvPr id="31" name="円/楕円 30"/>
+            <p:cNvSpPr/>
+            <p:nvPr/>
+          </p:nvSpPr>
+          <p:spPr>
+            <a:xfrm>
+              <a:off x="5373599" y="5274724"/>
+              <a:ext cx="449351" cy="449351"/>
+            </a:xfrm>
+            <a:prstGeom prst="ellipse">
+              <a:avLst/>
+            </a:prstGeom>
+            <a:solidFill>
+              <a:schemeClr val="bg1"/>
+            </a:solidFill>
+          </p:spPr>
+          <p:style>
+            <a:lnRef idx="2">
+              <a:schemeClr val="accent1">
+                <a:shade val="50000"/>
+              </a:schemeClr>
+            </a:lnRef>
+            <a:fillRef idx="1">
+              <a:schemeClr val="accent1"/>
+            </a:fillRef>
+            <a:effectRef idx="0">
+              <a:schemeClr val="accent1"/>
+            </a:effectRef>
+            <a:fontRef idx="minor">
+              <a:schemeClr val="lt1"/>
+            </a:fontRef>
+          </p:style>
+          <p:txBody>
+            <a:bodyPr rtlCol="0" anchor="ctr"/>
+            <a:lstStyle/>
+            <a:p>
+              <a:pPr algn="ctr"/>
+              <a:endParaRPr kumimoji="1" lang="ja-JP" altLang="en-US"/>
+            </a:p>
+          </p:txBody>
+        </p:sp>
+        <p:sp>
+          <p:nvSpPr>
+            <p:cNvPr id="37" name="山形 36"/>
+            <p:cNvSpPr/>
+            <p:nvPr/>
+          </p:nvSpPr>
+          <p:spPr>
+            <a:xfrm>
+              <a:off x="5516937" y="5400974"/>
+              <a:ext cx="162674" cy="196850"/>
+            </a:xfrm>
+            <a:prstGeom prst="chevron">
+              <a:avLst/>
+            </a:prstGeom>
+            <a:solidFill>
+              <a:srgbClr val="7030A0"/>
+            </a:solidFill>
+            <a:ln>
+              <a:noFill/>
+            </a:ln>
+            <a:effectLst>
+              <a:innerShdw blurRad="63500">
+                <a:prstClr val="black"/>
+              </a:innerShdw>
+            </a:effectLst>
+          </p:spPr>
+          <p:style>
+            <a:lnRef idx="2">
+              <a:schemeClr val="accent1">
+                <a:shade val="50000"/>
+              </a:schemeClr>
+            </a:lnRef>
+            <a:fillRef idx="1">
+              <a:schemeClr val="accent1"/>
+            </a:fillRef>
+            <a:effectRef idx="0">
+              <a:schemeClr val="accent1"/>
+            </a:effectRef>
+            <a:fontRef idx="minor">
+              <a:schemeClr val="lt1"/>
+            </a:fontRef>
+          </p:style>
+          <p:txBody>
+            <a:bodyPr rtlCol="0" anchor="ctr"/>
+            <a:lstStyle/>
+            <a:p>
+              <a:pPr algn="ctr"/>
+              <a:endParaRPr kumimoji="1" lang="ja-JP" altLang="en-US">
+                <a:solidFill>
+                  <a:schemeClr val="tx1"/>
+                </a:solidFill>
+              </a:endParaRPr>
+            </a:p>
+          </p:txBody>
+        </p:sp>
+      </p:grpSp>
+      <p:grpSp>
+        <p:nvGrpSpPr>
+          <p:cNvPr id="57" name="グループ化 56"/>
+          <p:cNvGrpSpPr/>
+          <p:nvPr/>
+        </p:nvGrpSpPr>
+        <p:grpSpPr>
+          <a:xfrm>
+            <a:off x="8043912" y="3211862"/>
+            <a:ext cx="449351" cy="449351"/>
+            <a:chOff x="5910174" y="5274724"/>
+            <a:chExt cx="449351" cy="449351"/>
+          </a:xfrm>
+        </p:grpSpPr>
+        <p:sp>
+          <p:nvSpPr>
+            <p:cNvPr id="32" name="円/楕円 31"/>
+            <p:cNvSpPr/>
+            <p:nvPr/>
+          </p:nvSpPr>
+          <p:spPr>
+            <a:xfrm>
+              <a:off x="5910174" y="5274724"/>
+              <a:ext cx="449351" cy="449351"/>
+            </a:xfrm>
+            <a:prstGeom prst="ellipse">
+              <a:avLst/>
+            </a:prstGeom>
+            <a:solidFill>
+              <a:schemeClr val="bg1"/>
+            </a:solidFill>
+          </p:spPr>
+          <p:style>
+            <a:lnRef idx="2">
+              <a:schemeClr val="accent1">
+                <a:shade val="50000"/>
+              </a:schemeClr>
+            </a:lnRef>
+            <a:fillRef idx="1">
+              <a:schemeClr val="accent1"/>
+            </a:fillRef>
+            <a:effectRef idx="0">
+              <a:schemeClr val="accent1"/>
+            </a:effectRef>
+            <a:fontRef idx="minor">
+              <a:schemeClr val="lt1"/>
+            </a:fontRef>
+          </p:style>
+          <p:txBody>
+            <a:bodyPr rtlCol="0" anchor="ctr"/>
+            <a:lstStyle/>
+            <a:p>
+              <a:pPr algn="ctr"/>
+              <a:endParaRPr kumimoji="1" lang="ja-JP" altLang="en-US"/>
+            </a:p>
+          </p:txBody>
+        </p:sp>
+        <p:sp>
+          <p:nvSpPr>
+            <p:cNvPr id="38" name="山形 37"/>
+            <p:cNvSpPr/>
+            <p:nvPr/>
+          </p:nvSpPr>
+          <p:spPr>
+            <a:xfrm rot="10800000">
+              <a:off x="6053513" y="5400974"/>
+              <a:ext cx="162674" cy="196850"/>
+            </a:xfrm>
+            <a:prstGeom prst="chevron">
+              <a:avLst/>
+            </a:prstGeom>
+            <a:solidFill>
+              <a:srgbClr val="7030A0"/>
+            </a:solidFill>
+            <a:ln>
+              <a:noFill/>
+            </a:ln>
+            <a:effectLst>
+              <a:innerShdw blurRad="63500">
+                <a:prstClr val="black"/>
+              </a:innerShdw>
+            </a:effectLst>
+          </p:spPr>
+          <p:style>
+            <a:lnRef idx="2">
+              <a:schemeClr val="accent1">
+                <a:shade val="50000"/>
+              </a:schemeClr>
+            </a:lnRef>
+            <a:fillRef idx="1">
+              <a:schemeClr val="accent1"/>
+            </a:fillRef>
+            <a:effectRef idx="0">
+              <a:schemeClr val="accent1"/>
+            </a:effectRef>
+            <a:fontRef idx="minor">
+              <a:schemeClr val="lt1"/>
+            </a:fontRef>
+          </p:style>
+          <p:txBody>
+            <a:bodyPr rtlCol="0" anchor="ctr"/>
+            <a:lstStyle/>
+            <a:p>
+              <a:pPr algn="ctr"/>
+              <a:endParaRPr kumimoji="1" lang="ja-JP" altLang="en-US">
+                <a:solidFill>
+                  <a:schemeClr val="tx1"/>
+                </a:solidFill>
+              </a:endParaRPr>
+            </a:p>
+          </p:txBody>
+        </p:sp>
+      </p:grpSp>
+      <p:grpSp>
+        <p:nvGrpSpPr>
+          <p:cNvPr id="52" name="グループ化 51"/>
+          <p:cNvGrpSpPr/>
+          <p:nvPr/>
+        </p:nvGrpSpPr>
+        <p:grpSpPr>
+          <a:xfrm>
+            <a:off x="4633111" y="3211862"/>
+            <a:ext cx="449351" cy="449351"/>
+            <a:chOff x="2499373" y="5274724"/>
+            <a:chExt cx="449351" cy="449351"/>
+          </a:xfrm>
+        </p:grpSpPr>
+        <p:sp>
+          <p:nvSpPr>
+            <p:cNvPr id="39" name="円/楕円 38"/>
+            <p:cNvSpPr/>
+            <p:nvPr/>
+          </p:nvSpPr>
+          <p:spPr>
+            <a:xfrm>
+              <a:off x="2499373" y="5274724"/>
+              <a:ext cx="449351" cy="449351"/>
+            </a:xfrm>
+            <a:prstGeom prst="ellipse">
+              <a:avLst/>
+            </a:prstGeom>
+            <a:solidFill>
+              <a:schemeClr val="bg1"/>
+            </a:solidFill>
+          </p:spPr>
+          <p:style>
+            <a:lnRef idx="2">
+              <a:schemeClr val="accent1">
+                <a:shade val="50000"/>
+              </a:schemeClr>
+            </a:lnRef>
+            <a:fillRef idx="1">
+              <a:schemeClr val="accent1"/>
+            </a:fillRef>
+            <a:effectRef idx="0">
+              <a:schemeClr val="accent1"/>
+            </a:effectRef>
+            <a:fontRef idx="minor">
+              <a:schemeClr val="lt1"/>
+            </a:fontRef>
+          </p:style>
+          <p:txBody>
+            <a:bodyPr rtlCol="0" anchor="ctr"/>
+            <a:lstStyle/>
+            <a:p>
+              <a:pPr algn="ctr"/>
+              <a:endParaRPr kumimoji="1" lang="ja-JP" altLang="en-US"/>
+            </a:p>
+          </p:txBody>
+        </p:sp>
+        <p:sp>
+          <p:nvSpPr>
+            <p:cNvPr id="41" name="正方形/長方形 40"/>
+            <p:cNvSpPr/>
+            <p:nvPr/>
+          </p:nvSpPr>
+          <p:spPr>
+            <a:xfrm>
+              <a:off x="2604565" y="5399959"/>
+              <a:ext cx="45719" cy="198882"/>
+            </a:xfrm>
+            <a:prstGeom prst="rect">
+              <a:avLst/>
+            </a:prstGeom>
+            <a:solidFill>
+              <a:srgbClr val="7030A0"/>
+            </a:solidFill>
+            <a:ln>
+              <a:noFill/>
+            </a:ln>
+            <a:effectLst>
+              <a:innerShdw blurRad="63500">
+                <a:prstClr val="black"/>
+              </a:innerShdw>
+            </a:effectLst>
+          </p:spPr>
+          <p:style>
+            <a:lnRef idx="2">
+              <a:schemeClr val="accent1">
+                <a:shade val="50000"/>
+              </a:schemeClr>
+            </a:lnRef>
+            <a:fillRef idx="1">
+              <a:schemeClr val="accent1"/>
+            </a:fillRef>
+            <a:effectRef idx="0">
+              <a:schemeClr val="accent1"/>
+            </a:effectRef>
+            <a:fontRef idx="minor">
+              <a:schemeClr val="lt1"/>
+            </a:fontRef>
+          </p:style>
+          <p:txBody>
+            <a:bodyPr rtlCol="0" anchor="ctr"/>
+            <a:lstStyle/>
+            <a:p>
+              <a:pPr algn="ctr"/>
+              <a:endParaRPr kumimoji="1" lang="ja-JP" altLang="en-US"/>
+            </a:p>
+          </p:txBody>
+        </p:sp>
+        <p:sp>
+          <p:nvSpPr>
+            <p:cNvPr id="42" name="二等辺三角形 41"/>
+            <p:cNvSpPr/>
+            <p:nvPr/>
+          </p:nvSpPr>
+          <p:spPr>
+            <a:xfrm rot="5400000">
+              <a:off x="2672234" y="5427542"/>
+              <a:ext cx="198882" cy="143713"/>
+            </a:xfrm>
+            <a:prstGeom prst="triangle">
+              <a:avLst/>
+            </a:prstGeom>
+            <a:solidFill>
+              <a:srgbClr val="7030A0"/>
+            </a:solidFill>
+            <a:ln>
+              <a:noFill/>
+            </a:ln>
+            <a:effectLst>
+              <a:innerShdw blurRad="63500">
+                <a:prstClr val="black"/>
+              </a:innerShdw>
+            </a:effectLst>
+          </p:spPr>
+          <p:style>
+            <a:lnRef idx="2">
+              <a:schemeClr val="accent1">
+                <a:shade val="50000"/>
+              </a:schemeClr>
+            </a:lnRef>
+            <a:fillRef idx="1">
+              <a:schemeClr val="accent1"/>
+            </a:fillRef>
+            <a:effectRef idx="0">
+              <a:schemeClr val="accent1"/>
+            </a:effectRef>
+            <a:fontRef idx="minor">
+              <a:schemeClr val="lt1"/>
+            </a:fontRef>
+          </p:style>
+          <p:txBody>
+            <a:bodyPr rtlCol="0" anchor="ctr"/>
+            <a:lstStyle/>
+            <a:p>
+              <a:pPr algn="ctr"/>
+              <a:endParaRPr kumimoji="1" lang="ja-JP" altLang="en-US"/>
+            </a:p>
+          </p:txBody>
+        </p:sp>
+      </p:grpSp>
+      <p:grpSp>
+        <p:nvGrpSpPr>
+          <p:cNvPr id="54" name="グループ化 53"/>
+          <p:cNvGrpSpPr/>
+          <p:nvPr/>
+        </p:nvGrpSpPr>
+        <p:grpSpPr>
+          <a:xfrm>
+            <a:off x="5997431" y="3211862"/>
+            <a:ext cx="449351" cy="449351"/>
+            <a:chOff x="3747161" y="5274724"/>
+            <a:chExt cx="449351" cy="449351"/>
+          </a:xfrm>
+        </p:grpSpPr>
+        <p:sp>
+          <p:nvSpPr>
+            <p:cNvPr id="33" name="円/楕円 32"/>
+            <p:cNvSpPr/>
+            <p:nvPr/>
+          </p:nvSpPr>
+          <p:spPr>
+            <a:xfrm>
+              <a:off x="3747161" y="5274724"/>
+              <a:ext cx="449351" cy="449351"/>
+            </a:xfrm>
+            <a:prstGeom prst="ellipse">
+              <a:avLst/>
+            </a:prstGeom>
+            <a:solidFill>
+              <a:schemeClr val="bg1"/>
+            </a:solidFill>
+          </p:spPr>
+          <p:style>
+            <a:lnRef idx="2">
+              <a:schemeClr val="accent1">
+                <a:shade val="50000"/>
+              </a:schemeClr>
+            </a:lnRef>
+            <a:fillRef idx="1">
+              <a:schemeClr val="accent1"/>
+            </a:fillRef>
+            <a:effectRef idx="0">
+              <a:schemeClr val="accent1"/>
+            </a:effectRef>
+            <a:fontRef idx="minor">
+              <a:schemeClr val="lt1"/>
+            </a:fontRef>
+          </p:style>
+          <p:txBody>
+            <a:bodyPr rtlCol="0" anchor="ctr"/>
+            <a:lstStyle/>
+            <a:p>
+              <a:pPr algn="ctr"/>
+              <a:endParaRPr kumimoji="1" lang="ja-JP" altLang="en-US"/>
+            </a:p>
+          </p:txBody>
+        </p:sp>
+        <p:sp>
+          <p:nvSpPr>
+            <p:cNvPr id="44" name="正方形/長方形 43"/>
+            <p:cNvSpPr/>
+            <p:nvPr/>
+          </p:nvSpPr>
+          <p:spPr>
+            <a:xfrm>
+              <a:off x="3992477" y="5428148"/>
+              <a:ext cx="45943" cy="142503"/>
+            </a:xfrm>
+            <a:prstGeom prst="rect">
+              <a:avLst/>
+            </a:prstGeom>
+            <a:solidFill>
+              <a:srgbClr val="7030A0"/>
+            </a:solidFill>
+            <a:ln>
+              <a:noFill/>
+            </a:ln>
+            <a:effectLst>
+              <a:innerShdw blurRad="63500">
+                <a:prstClr val="black"/>
+              </a:innerShdw>
+            </a:effectLst>
+          </p:spPr>
+          <p:style>
+            <a:lnRef idx="2">
+              <a:schemeClr val="accent1">
+                <a:shade val="50000"/>
+              </a:schemeClr>
+            </a:lnRef>
+            <a:fillRef idx="1">
+              <a:schemeClr val="accent1"/>
+            </a:fillRef>
+            <a:effectRef idx="0">
+              <a:schemeClr val="accent1"/>
+            </a:effectRef>
+            <a:fontRef idx="minor">
+              <a:schemeClr val="lt1"/>
+            </a:fontRef>
+          </p:style>
+          <p:txBody>
+            <a:bodyPr rtlCol="0" anchor="ctr"/>
+            <a:lstStyle/>
+            <a:p>
+              <a:pPr algn="ctr"/>
+              <a:endParaRPr kumimoji="1" lang="ja-JP" altLang="en-US"/>
+            </a:p>
+          </p:txBody>
+        </p:sp>
+        <p:sp>
+          <p:nvSpPr>
+            <p:cNvPr id="45" name="正方形/長方形 44"/>
+            <p:cNvSpPr/>
+            <p:nvPr/>
+          </p:nvSpPr>
+          <p:spPr>
+            <a:xfrm>
+              <a:off x="3905253" y="5428148"/>
+              <a:ext cx="45943" cy="142503"/>
+            </a:xfrm>
+            <a:prstGeom prst="rect">
+              <a:avLst/>
+            </a:prstGeom>
+            <a:solidFill>
+              <a:srgbClr val="7030A0"/>
+            </a:solidFill>
+            <a:ln>
+              <a:noFill/>
+            </a:ln>
+            <a:effectLst>
+              <a:innerShdw blurRad="63500">
+                <a:prstClr val="black"/>
+              </a:innerShdw>
+            </a:effectLst>
+          </p:spPr>
+          <p:style>
+            <a:lnRef idx="2">
+              <a:schemeClr val="accent1">
+                <a:shade val="50000"/>
+              </a:schemeClr>
+            </a:lnRef>
+            <a:fillRef idx="1">
+              <a:schemeClr val="accent1"/>
+            </a:fillRef>
+            <a:effectRef idx="0">
+              <a:schemeClr val="accent1"/>
+            </a:effectRef>
+            <a:fontRef idx="minor">
+              <a:schemeClr val="lt1"/>
+            </a:fontRef>
+          </p:style>
+          <p:txBody>
+            <a:bodyPr rtlCol="0" anchor="ctr"/>
+            <a:lstStyle/>
+            <a:p>
+              <a:pPr algn="ctr"/>
+              <a:endParaRPr kumimoji="1" lang="ja-JP" altLang="en-US"/>
+            </a:p>
+          </p:txBody>
+        </p:sp>
+      </p:grpSp>
+      <p:sp>
+        <p:nvSpPr>
+          <p:cNvPr id="58" name="テキスト ボックス 57"/>
+          <p:cNvSpPr txBox="1"/>
+          <p:nvPr/>
+        </p:nvSpPr>
+        <p:spPr>
+          <a:xfrm>
+            <a:off x="3101473" y="2570741"/>
+            <a:ext cx="989373" cy="369332"/>
+          </a:xfrm>
+          <a:prstGeom prst="rect">
+            <a:avLst/>
+          </a:prstGeom>
+          <a:noFill/>
+        </p:spPr>
+        <p:txBody>
+          <a:bodyPr wrap="none" rtlCol="0">
+            <a:spAutoFit/>
+          </a:bodyPr>
+          <a:lstStyle/>
+          <a:p>
+            <a:r>
+              <a:rPr kumimoji="1" lang="en-US" altLang="ja-JP" dirty="0" smtClean="0"/>
+              <a:t>default</a:t>
+            </a:r>
+            <a:endParaRPr kumimoji="1" lang="ja-JP" altLang="en-US" dirty="0"/>
+          </a:p>
+        </p:txBody>
+      </p:sp>
+      <p:sp>
+        <p:nvSpPr>
+          <p:cNvPr id="59" name="テキスト ボックス 58"/>
+          <p:cNvSpPr txBox="1"/>
+          <p:nvPr/>
+        </p:nvSpPr>
+        <p:spPr>
+          <a:xfrm>
+            <a:off x="3101473" y="3251871"/>
+            <a:ext cx="713657" cy="369332"/>
+          </a:xfrm>
+          <a:prstGeom prst="rect">
+            <a:avLst/>
+          </a:prstGeom>
+          <a:noFill/>
+        </p:spPr>
+        <p:txBody>
+          <a:bodyPr wrap="none" rtlCol="0">
+            <a:spAutoFit/>
+          </a:bodyPr>
+          <a:lstStyle/>
+          <a:p>
+            <a:r>
+              <a:rPr kumimoji="1" lang="en-US" altLang="ja-JP" dirty="0" smtClean="0"/>
+              <a:t>push</a:t>
+            </a:r>
+            <a:endParaRPr kumimoji="1" lang="ja-JP" altLang="en-US" dirty="0"/>
+          </a:p>
+        </p:txBody>
+      </p:sp>
+      <p:sp>
+        <p:nvSpPr>
+          <p:cNvPr id="60" name="テキスト ボックス 59"/>
+          <p:cNvSpPr txBox="1"/>
+          <p:nvPr/>
+        </p:nvSpPr>
+        <p:spPr>
+          <a:xfrm>
+            <a:off x="3170948" y="3942308"/>
+            <a:ext cx="824265" cy="369332"/>
+          </a:xfrm>
+          <a:prstGeom prst="rect">
+            <a:avLst/>
+          </a:prstGeom>
+          <a:noFill/>
+        </p:spPr>
+        <p:txBody>
+          <a:bodyPr wrap="none" rtlCol="0">
+            <a:spAutoFit/>
+          </a:bodyPr>
+          <a:lstStyle/>
+          <a:p>
+            <a:r>
+              <a:rPr kumimoji="1" lang="en-US" altLang="ja-JP" dirty="0" smtClean="0"/>
+              <a:t>hover</a:t>
+            </a:r>
+            <a:endParaRPr kumimoji="1" lang="ja-JP" altLang="en-US" dirty="0"/>
+          </a:p>
+        </p:txBody>
+      </p:sp>
+      <p:grpSp>
+        <p:nvGrpSpPr>
+          <p:cNvPr id="84" name="グループ化 83"/>
+          <p:cNvGrpSpPr/>
+          <p:nvPr/>
+        </p:nvGrpSpPr>
+        <p:grpSpPr>
+          <a:xfrm>
+            <a:off x="6679591" y="3902299"/>
+            <a:ext cx="449351" cy="449351"/>
+            <a:chOff x="6156939" y="4543354"/>
+            <a:chExt cx="449351" cy="449351"/>
+          </a:xfrm>
+        </p:grpSpPr>
+        <p:sp>
+          <p:nvSpPr>
+            <p:cNvPr id="62" name="円/楕円 61"/>
+            <p:cNvSpPr/>
+            <p:nvPr/>
+          </p:nvSpPr>
+          <p:spPr>
             <a:xfrm>
               <a:off x="6156939" y="4543354"/>
               <a:ext cx="449351" cy="449351"/>
-              <a:chOff x="6156939" y="4543354"/>
-              <a:chExt cx="449351" cy="449351"/>
             </a:xfrm>
-          </p:grpSpPr>
-          <p:sp>
-            <p:nvSpPr>
-              <p:cNvPr id="62" name="円/楕円 61"/>
-              <p:cNvSpPr/>
-              <p:nvPr/>
-            </p:nvSpPr>
-            <p:spPr>
-              <a:xfrm>
-                <a:off x="6156939" y="4543354"/>
-                <a:ext cx="449351" cy="449351"/>
-              </a:xfrm>
-              <a:prstGeom prst="ellipse">
-                <a:avLst/>
-              </a:prstGeom>
-              <a:solidFill>
-                <a:schemeClr val="bg1"/>
-              </a:solidFill>
-              <a:effectLst>
-                <a:innerShdw blurRad="114300">
-                  <a:schemeClr val="tx1"/>
-                </a:innerShdw>
-              </a:effectLst>
-            </p:spPr>
-            <p:style>
-              <a:lnRef idx="2">
-                <a:schemeClr val="accent1">
-                  <a:shade val="50000"/>
-                </a:schemeClr>
-              </a:lnRef>
-              <a:fillRef idx="1">
-                <a:schemeClr val="accent1"/>
-              </a:fillRef>
-              <a:effectRef idx="0">
-                <a:schemeClr val="accent1"/>
-              </a:effectRef>
-              <a:fontRef idx="minor">
-                <a:schemeClr val="lt1"/>
-              </a:fontRef>
-            </p:style>
-            <p:txBody>
-              <a:bodyPr rtlCol="0" anchor="ctr"/>
-              <a:lstStyle/>
-              <a:p>
-                <a:pPr algn="ctr"/>
-                <a:endParaRPr kumimoji="1" lang="ja-JP" altLang="en-US"/>
-              </a:p>
-            </p:txBody>
-          </p:sp>
-          <p:sp>
-            <p:nvSpPr>
-              <p:cNvPr id="63" name="正方形/長方形 62"/>
-              <p:cNvSpPr/>
-              <p:nvPr/>
-            </p:nvSpPr>
-            <p:spPr>
-              <a:xfrm>
-                <a:off x="6310363" y="4696778"/>
-                <a:ext cx="142503" cy="142503"/>
-              </a:xfrm>
-              <a:prstGeom prst="rect">
-                <a:avLst/>
-              </a:prstGeom>
-              <a:ln>
-                <a:noFill/>
-              </a:ln>
-              <a:effectLst>
-                <a:innerShdw blurRad="38100">
-                  <a:prstClr val="black"/>
-                </a:innerShdw>
-              </a:effectLst>
-            </p:spPr>
-            <p:style>
-              <a:lnRef idx="2">
-                <a:schemeClr val="accent1">
-                  <a:shade val="50000"/>
-                </a:schemeClr>
-              </a:lnRef>
-              <a:fillRef idx="1">
-                <a:schemeClr val="accent1"/>
-              </a:fillRef>
-              <a:effectRef idx="0">
-                <a:schemeClr val="accent1"/>
-              </a:effectRef>
-              <a:fontRef idx="minor">
-                <a:schemeClr val="lt1"/>
-              </a:fontRef>
-            </p:style>
-            <p:txBody>
-              <a:bodyPr rtlCol="0" anchor="ctr"/>
-              <a:lstStyle/>
-              <a:p>
-                <a:pPr algn="ctr"/>
-                <a:endParaRPr kumimoji="1" lang="ja-JP" altLang="en-US"/>
-              </a:p>
-            </p:txBody>
-          </p:sp>
-        </p:grpSp>
-        <p:grpSp>
-          <p:nvGrpSpPr>
-            <p:cNvPr id="82" name="グループ化 81"/>
-            <p:cNvGrpSpPr/>
+            <a:prstGeom prst="ellipse">
+              <a:avLst/>
+            </a:prstGeom>
+            <a:solidFill>
+              <a:schemeClr val="bg1"/>
+            </a:solidFill>
+            <a:effectLst>
+              <a:innerShdw blurRad="114300">
+                <a:schemeClr val="tx1"/>
+              </a:innerShdw>
+            </a:effectLst>
+          </p:spPr>
+          <p:style>
+            <a:lnRef idx="2">
+              <a:schemeClr val="accent1">
+                <a:shade val="50000"/>
+              </a:schemeClr>
+            </a:lnRef>
+            <a:fillRef idx="1">
+              <a:schemeClr val="accent1"/>
+            </a:fillRef>
+            <a:effectRef idx="0">
+              <a:schemeClr val="accent1"/>
+            </a:effectRef>
+            <a:fontRef idx="minor">
+              <a:schemeClr val="lt1"/>
+            </a:fontRef>
+          </p:style>
+          <p:txBody>
+            <a:bodyPr rtlCol="0" anchor="ctr"/>
+            <a:lstStyle/>
+            <a:p>
+              <a:pPr algn="ctr"/>
+              <a:endParaRPr kumimoji="1" lang="ja-JP" altLang="en-US"/>
+            </a:p>
+          </p:txBody>
+        </p:sp>
+        <p:sp>
+          <p:nvSpPr>
+            <p:cNvPr id="63" name="正方形/長方形 62"/>
+            <p:cNvSpPr/>
             <p:nvPr/>
-          </p:nvGrpSpPr>
-          <p:grpSpPr>
+          </p:nvSpPr>
+          <p:spPr>
+            <a:xfrm>
+              <a:off x="6310363" y="4696778"/>
+              <a:ext cx="142503" cy="142503"/>
+            </a:xfrm>
+            <a:prstGeom prst="rect">
+              <a:avLst/>
+            </a:prstGeom>
+            <a:ln>
+              <a:noFill/>
+            </a:ln>
+            <a:effectLst>
+              <a:innerShdw blurRad="38100">
+                <a:prstClr val="black"/>
+              </a:innerShdw>
+            </a:effectLst>
+          </p:spPr>
+          <p:style>
+            <a:lnRef idx="2">
+              <a:schemeClr val="accent1">
+                <a:shade val="50000"/>
+              </a:schemeClr>
+            </a:lnRef>
+            <a:fillRef idx="1">
+              <a:schemeClr val="accent1"/>
+            </a:fillRef>
+            <a:effectRef idx="0">
+              <a:schemeClr val="accent1"/>
+            </a:effectRef>
+            <a:fontRef idx="minor">
+              <a:schemeClr val="lt1"/>
+            </a:fontRef>
+          </p:style>
+          <p:txBody>
+            <a:bodyPr rtlCol="0" anchor="ctr"/>
+            <a:lstStyle/>
+            <a:p>
+              <a:pPr algn="ctr"/>
+              <a:endParaRPr kumimoji="1" lang="ja-JP" altLang="en-US"/>
+            </a:p>
+          </p:txBody>
+        </p:sp>
+      </p:grpSp>
+      <p:grpSp>
+        <p:nvGrpSpPr>
+          <p:cNvPr id="82" name="グループ化 81"/>
+          <p:cNvGrpSpPr/>
+          <p:nvPr/>
+        </p:nvGrpSpPr>
+        <p:grpSpPr>
+          <a:xfrm>
+            <a:off x="5315271" y="3902299"/>
+            <a:ext cx="449351" cy="449351"/>
+            <a:chOff x="4792619" y="4543354"/>
+            <a:chExt cx="449351" cy="449351"/>
+          </a:xfrm>
+        </p:grpSpPr>
+        <p:sp>
+          <p:nvSpPr>
+            <p:cNvPr id="65" name="円/楕円 64"/>
+            <p:cNvSpPr/>
+            <p:nvPr/>
+          </p:nvSpPr>
+          <p:spPr>
             <a:xfrm>
               <a:off x="4792619" y="4543354"/>
               <a:ext cx="449351" cy="449351"/>
-              <a:chOff x="4792619" y="4543354"/>
-              <a:chExt cx="449351" cy="449351"/>
             </a:xfrm>
-          </p:grpSpPr>
-          <p:sp>
-            <p:nvSpPr>
-              <p:cNvPr id="65" name="円/楕円 64"/>
-              <p:cNvSpPr/>
-              <p:nvPr/>
-            </p:nvSpPr>
-            <p:spPr>
-              <a:xfrm>
-                <a:off x="4792619" y="4543354"/>
-                <a:ext cx="449351" cy="449351"/>
-              </a:xfrm>
-              <a:prstGeom prst="ellipse">
-                <a:avLst/>
-              </a:prstGeom>
-              <a:solidFill>
-                <a:schemeClr val="bg1"/>
-              </a:solidFill>
-              <a:effectLst>
-                <a:innerShdw blurRad="114300">
-                  <a:schemeClr val="tx1"/>
-                </a:innerShdw>
-              </a:effectLst>
-            </p:spPr>
-            <p:style>
-              <a:lnRef idx="2">
-                <a:schemeClr val="accent1">
-                  <a:shade val="50000"/>
-                </a:schemeClr>
-              </a:lnRef>
-              <a:fillRef idx="1">
-                <a:schemeClr val="accent1"/>
-              </a:fillRef>
-              <a:effectRef idx="0">
-                <a:schemeClr val="accent1"/>
-              </a:effectRef>
-              <a:fontRef idx="minor">
-                <a:schemeClr val="lt1"/>
-              </a:fontRef>
-            </p:style>
-            <p:txBody>
-              <a:bodyPr rtlCol="0" anchor="ctr"/>
-              <a:lstStyle/>
-              <a:p>
-                <a:pPr algn="ctr"/>
-                <a:endParaRPr kumimoji="1" lang="ja-JP" altLang="en-US"/>
-              </a:p>
-            </p:txBody>
-          </p:sp>
-          <p:sp>
-            <p:nvSpPr>
-              <p:cNvPr id="66" name="二等辺三角形 65"/>
-              <p:cNvSpPr/>
-              <p:nvPr/>
-            </p:nvSpPr>
-            <p:spPr>
-              <a:xfrm rot="5400000">
-                <a:off x="4917853" y="4682304"/>
-                <a:ext cx="198882" cy="171450"/>
-              </a:xfrm>
-              <a:prstGeom prst="triangle">
-                <a:avLst/>
-              </a:prstGeom>
-              <a:ln>
-                <a:noFill/>
-              </a:ln>
-              <a:effectLst>
-                <a:innerShdw blurRad="38100">
-                  <a:prstClr val="black"/>
-                </a:innerShdw>
-              </a:effectLst>
-            </p:spPr>
-            <p:style>
-              <a:lnRef idx="2">
-                <a:schemeClr val="accent1">
-                  <a:shade val="50000"/>
-                </a:schemeClr>
-              </a:lnRef>
-              <a:fillRef idx="1">
-                <a:schemeClr val="accent1"/>
-              </a:fillRef>
-              <a:effectRef idx="0">
-                <a:schemeClr val="accent1"/>
-              </a:effectRef>
-              <a:fontRef idx="minor">
-                <a:schemeClr val="lt1"/>
-              </a:fontRef>
-            </p:style>
-            <p:txBody>
-              <a:bodyPr rtlCol="0" anchor="ctr"/>
-              <a:lstStyle/>
-              <a:p>
-                <a:pPr algn="ctr"/>
-                <a:endParaRPr kumimoji="1" lang="ja-JP" altLang="en-US"/>
-              </a:p>
-            </p:txBody>
-          </p:sp>
-        </p:grpSp>
-        <p:grpSp>
-          <p:nvGrpSpPr>
-            <p:cNvPr id="85" name="グループ化 84"/>
-            <p:cNvGrpSpPr/>
+            <a:prstGeom prst="ellipse">
+              <a:avLst/>
+            </a:prstGeom>
+            <a:solidFill>
+              <a:schemeClr val="bg1"/>
+            </a:solidFill>
+            <a:effectLst>
+              <a:innerShdw blurRad="114300">
+                <a:schemeClr val="tx1"/>
+              </a:innerShdw>
+            </a:effectLst>
+          </p:spPr>
+          <p:style>
+            <a:lnRef idx="2">
+              <a:schemeClr val="accent1">
+                <a:shade val="50000"/>
+              </a:schemeClr>
+            </a:lnRef>
+            <a:fillRef idx="1">
+              <a:schemeClr val="accent1"/>
+            </a:fillRef>
+            <a:effectRef idx="0">
+              <a:schemeClr val="accent1"/>
+            </a:effectRef>
+            <a:fontRef idx="minor">
+              <a:schemeClr val="lt1"/>
+            </a:fontRef>
+          </p:style>
+          <p:txBody>
+            <a:bodyPr rtlCol="0" anchor="ctr"/>
+            <a:lstStyle/>
+            <a:p>
+              <a:pPr algn="ctr"/>
+              <a:endParaRPr kumimoji="1" lang="ja-JP" altLang="en-US"/>
+            </a:p>
+          </p:txBody>
+        </p:sp>
+        <p:sp>
+          <p:nvSpPr>
+            <p:cNvPr id="66" name="二等辺三角形 65"/>
+            <p:cNvSpPr/>
             <p:nvPr/>
-          </p:nvGrpSpPr>
-          <p:grpSpPr>
+          </p:nvSpPr>
+          <p:spPr>
+            <a:xfrm rot="5400000">
+              <a:off x="4917853" y="4682304"/>
+              <a:ext cx="198882" cy="171450"/>
+            </a:xfrm>
+            <a:prstGeom prst="triangle">
+              <a:avLst/>
+            </a:prstGeom>
+            <a:ln>
+              <a:noFill/>
+            </a:ln>
+            <a:effectLst>
+              <a:innerShdw blurRad="38100">
+                <a:prstClr val="black"/>
+              </a:innerShdw>
+            </a:effectLst>
+          </p:spPr>
+          <p:style>
+            <a:lnRef idx="2">
+              <a:schemeClr val="accent1">
+                <a:shade val="50000"/>
+              </a:schemeClr>
+            </a:lnRef>
+            <a:fillRef idx="1">
+              <a:schemeClr val="accent1"/>
+            </a:fillRef>
+            <a:effectRef idx="0">
+              <a:schemeClr val="accent1"/>
+            </a:effectRef>
+            <a:fontRef idx="minor">
+              <a:schemeClr val="lt1"/>
+            </a:fontRef>
+          </p:style>
+          <p:txBody>
+            <a:bodyPr rtlCol="0" anchor="ctr"/>
+            <a:lstStyle/>
+            <a:p>
+              <a:pPr algn="ctr"/>
+              <a:endParaRPr kumimoji="1" lang="ja-JP" altLang="en-US"/>
+            </a:p>
+          </p:txBody>
+        </p:sp>
+      </p:grpSp>
+      <p:grpSp>
+        <p:nvGrpSpPr>
+          <p:cNvPr id="85" name="グループ化 84"/>
+          <p:cNvGrpSpPr/>
+          <p:nvPr/>
+        </p:nvGrpSpPr>
+        <p:grpSpPr>
+          <a:xfrm>
+            <a:off x="7361751" y="3902299"/>
+            <a:ext cx="449351" cy="449351"/>
+            <a:chOff x="6839099" y="4543354"/>
+            <a:chExt cx="449351" cy="449351"/>
+          </a:xfrm>
+        </p:grpSpPr>
+        <p:sp>
+          <p:nvSpPr>
+            <p:cNvPr id="68" name="円/楕円 67"/>
+            <p:cNvSpPr/>
+            <p:nvPr/>
+          </p:nvSpPr>
+          <p:spPr>
             <a:xfrm>
               <a:off x="6839099" y="4543354"/>
               <a:ext cx="449351" cy="449351"/>
-              <a:chOff x="6839099" y="4543354"/>
-              <a:chExt cx="449351" cy="449351"/>
             </a:xfrm>
-          </p:grpSpPr>
-          <p:sp>
-            <p:nvSpPr>
-              <p:cNvPr id="68" name="円/楕円 67"/>
-              <p:cNvSpPr/>
-              <p:nvPr/>
-            </p:nvSpPr>
-            <p:spPr>
-              <a:xfrm>
-                <a:off x="6839099" y="4543354"/>
-                <a:ext cx="449351" cy="449351"/>
-              </a:xfrm>
-              <a:prstGeom prst="ellipse">
-                <a:avLst/>
-              </a:prstGeom>
-              <a:solidFill>
-                <a:schemeClr val="bg1"/>
-              </a:solidFill>
-              <a:effectLst>
-                <a:innerShdw blurRad="114300">
+            <a:prstGeom prst="ellipse">
+              <a:avLst/>
+            </a:prstGeom>
+            <a:solidFill>
+              <a:schemeClr val="bg1"/>
+            </a:solidFill>
+            <a:effectLst>
+              <a:innerShdw blurRad="114300">
+                <a:schemeClr val="tx1"/>
+              </a:innerShdw>
+            </a:effectLst>
+          </p:spPr>
+          <p:style>
+            <a:lnRef idx="2">
+              <a:schemeClr val="accent1">
+                <a:shade val="50000"/>
+              </a:schemeClr>
+            </a:lnRef>
+            <a:fillRef idx="1">
+              <a:schemeClr val="accent1"/>
+            </a:fillRef>
+            <a:effectRef idx="0">
+              <a:schemeClr val="accent1"/>
+            </a:effectRef>
+            <a:fontRef idx="minor">
+              <a:schemeClr val="lt1"/>
+            </a:fontRef>
+          </p:style>
+          <p:txBody>
+            <a:bodyPr rtlCol="0" anchor="ctr"/>
+            <a:lstStyle/>
+            <a:p>
+              <a:pPr algn="ctr"/>
+              <a:endParaRPr kumimoji="1" lang="ja-JP" altLang="en-US"/>
+            </a:p>
+          </p:txBody>
+        </p:sp>
+        <p:sp>
+          <p:nvSpPr>
+            <p:cNvPr id="69" name="山形 68"/>
+            <p:cNvSpPr/>
+            <p:nvPr/>
+          </p:nvSpPr>
+          <p:spPr>
+            <a:xfrm>
+              <a:off x="6982437" y="4669604"/>
+              <a:ext cx="162674" cy="196850"/>
+            </a:xfrm>
+            <a:prstGeom prst="chevron">
+              <a:avLst/>
+            </a:prstGeom>
+            <a:ln>
+              <a:noFill/>
+            </a:ln>
+            <a:effectLst>
+              <a:innerShdw blurRad="38100">
+                <a:prstClr val="black"/>
+              </a:innerShdw>
+            </a:effectLst>
+          </p:spPr>
+          <p:style>
+            <a:lnRef idx="2">
+              <a:schemeClr val="accent1">
+                <a:shade val="50000"/>
+              </a:schemeClr>
+            </a:lnRef>
+            <a:fillRef idx="1">
+              <a:schemeClr val="accent1"/>
+            </a:fillRef>
+            <a:effectRef idx="0">
+              <a:schemeClr val="accent1"/>
+            </a:effectRef>
+            <a:fontRef idx="minor">
+              <a:schemeClr val="lt1"/>
+            </a:fontRef>
+          </p:style>
+          <p:txBody>
+            <a:bodyPr rtlCol="0" anchor="ctr"/>
+            <a:lstStyle/>
+            <a:p>
+              <a:pPr algn="ctr"/>
+              <a:endParaRPr kumimoji="1" lang="ja-JP" altLang="en-US">
+                <a:solidFill>
                   <a:schemeClr val="tx1"/>
-                </a:innerShdw>
-              </a:effectLst>
-            </p:spPr>
-            <p:style>
-              <a:lnRef idx="2">
-                <a:schemeClr val="accent1">
-                  <a:shade val="50000"/>
-                </a:schemeClr>
-              </a:lnRef>
-              <a:fillRef idx="1">
-                <a:schemeClr val="accent1"/>
-              </a:fillRef>
-              <a:effectRef idx="0">
-                <a:schemeClr val="accent1"/>
-              </a:effectRef>
-              <a:fontRef idx="minor">
-                <a:schemeClr val="lt1"/>
-              </a:fontRef>
-            </p:style>
-            <p:txBody>
-              <a:bodyPr rtlCol="0" anchor="ctr"/>
-              <a:lstStyle/>
-              <a:p>
-                <a:pPr algn="ctr"/>
-                <a:endParaRPr kumimoji="1" lang="ja-JP" altLang="en-US"/>
-              </a:p>
-            </p:txBody>
-          </p:sp>
-          <p:sp>
-            <p:nvSpPr>
-              <p:cNvPr id="69" name="山形 68"/>
-              <p:cNvSpPr/>
-              <p:nvPr/>
-            </p:nvSpPr>
-            <p:spPr>
-              <a:xfrm>
-                <a:off x="6982437" y="4669604"/>
-                <a:ext cx="162674" cy="196850"/>
-              </a:xfrm>
-              <a:prstGeom prst="chevron">
-                <a:avLst/>
-              </a:prstGeom>
-              <a:ln>
-                <a:noFill/>
-              </a:ln>
-              <a:effectLst>
-                <a:innerShdw blurRad="38100">
-                  <a:prstClr val="black"/>
-                </a:innerShdw>
-              </a:effectLst>
-            </p:spPr>
-            <p:style>
-              <a:lnRef idx="2">
-                <a:schemeClr val="accent1">
-                  <a:shade val="50000"/>
-                </a:schemeClr>
-              </a:lnRef>
-              <a:fillRef idx="1">
-                <a:schemeClr val="accent1"/>
-              </a:fillRef>
-              <a:effectRef idx="0">
-                <a:schemeClr val="accent1"/>
-              </a:effectRef>
-              <a:fontRef idx="minor">
-                <a:schemeClr val="lt1"/>
-              </a:fontRef>
-            </p:style>
-            <p:txBody>
-              <a:bodyPr rtlCol="0" anchor="ctr"/>
-              <a:lstStyle/>
-              <a:p>
-                <a:pPr algn="ctr"/>
-                <a:endParaRPr kumimoji="1" lang="ja-JP" altLang="en-US">
-                  <a:solidFill>
-                    <a:schemeClr val="tx1"/>
-                  </a:solidFill>
-                </a:endParaRPr>
-              </a:p>
-            </p:txBody>
-          </p:sp>
-        </p:grpSp>
-        <p:grpSp>
-          <p:nvGrpSpPr>
-            <p:cNvPr id="86" name="グループ化 85"/>
-            <p:cNvGrpSpPr/>
+                </a:solidFill>
+              </a:endParaRPr>
+            </a:p>
+          </p:txBody>
+        </p:sp>
+      </p:grpSp>
+      <p:grpSp>
+        <p:nvGrpSpPr>
+          <p:cNvPr id="86" name="グループ化 85"/>
+          <p:cNvGrpSpPr/>
+          <p:nvPr/>
+        </p:nvGrpSpPr>
+        <p:grpSpPr>
+          <a:xfrm>
+            <a:off x="8043912" y="3902299"/>
+            <a:ext cx="449351" cy="449351"/>
+            <a:chOff x="7521260" y="4543354"/>
+            <a:chExt cx="449351" cy="449351"/>
+          </a:xfrm>
+        </p:grpSpPr>
+        <p:sp>
+          <p:nvSpPr>
+            <p:cNvPr id="71" name="円/楕円 70"/>
+            <p:cNvSpPr/>
             <p:nvPr/>
-          </p:nvGrpSpPr>
-          <p:grpSpPr>
+          </p:nvSpPr>
+          <p:spPr>
             <a:xfrm>
               <a:off x="7521260" y="4543354"/>
               <a:ext cx="449351" cy="449351"/>
-              <a:chOff x="7521260" y="4543354"/>
-              <a:chExt cx="449351" cy="449351"/>
             </a:xfrm>
-          </p:grpSpPr>
-          <p:sp>
-            <p:nvSpPr>
-              <p:cNvPr id="71" name="円/楕円 70"/>
-              <p:cNvSpPr/>
-              <p:nvPr/>
-            </p:nvSpPr>
-            <p:spPr>
-              <a:xfrm>
-                <a:off x="7521260" y="4543354"/>
-                <a:ext cx="449351" cy="449351"/>
-              </a:xfrm>
-              <a:prstGeom prst="ellipse">
-                <a:avLst/>
-              </a:prstGeom>
-              <a:solidFill>
-                <a:schemeClr val="bg1"/>
-              </a:solidFill>
-              <a:effectLst>
-                <a:innerShdw blurRad="114300">
+            <a:prstGeom prst="ellipse">
+              <a:avLst/>
+            </a:prstGeom>
+            <a:solidFill>
+              <a:schemeClr val="bg1"/>
+            </a:solidFill>
+            <a:effectLst>
+              <a:innerShdw blurRad="114300">
+                <a:schemeClr val="tx1"/>
+              </a:innerShdw>
+            </a:effectLst>
+          </p:spPr>
+          <p:style>
+            <a:lnRef idx="2">
+              <a:schemeClr val="accent1">
+                <a:shade val="50000"/>
+              </a:schemeClr>
+            </a:lnRef>
+            <a:fillRef idx="1">
+              <a:schemeClr val="accent1"/>
+            </a:fillRef>
+            <a:effectRef idx="0">
+              <a:schemeClr val="accent1"/>
+            </a:effectRef>
+            <a:fontRef idx="minor">
+              <a:schemeClr val="lt1"/>
+            </a:fontRef>
+          </p:style>
+          <p:txBody>
+            <a:bodyPr rtlCol="0" anchor="ctr"/>
+            <a:lstStyle/>
+            <a:p>
+              <a:pPr algn="ctr"/>
+              <a:endParaRPr kumimoji="1" lang="ja-JP" altLang="en-US"/>
+            </a:p>
+          </p:txBody>
+        </p:sp>
+        <p:sp>
+          <p:nvSpPr>
+            <p:cNvPr id="72" name="山形 71"/>
+            <p:cNvSpPr/>
+            <p:nvPr/>
+          </p:nvSpPr>
+          <p:spPr>
+            <a:xfrm rot="10800000">
+              <a:off x="7664599" y="4669604"/>
+              <a:ext cx="162674" cy="196850"/>
+            </a:xfrm>
+            <a:prstGeom prst="chevron">
+              <a:avLst/>
+            </a:prstGeom>
+            <a:ln>
+              <a:noFill/>
+            </a:ln>
+            <a:effectLst>
+              <a:innerShdw blurRad="38100">
+                <a:prstClr val="black"/>
+              </a:innerShdw>
+            </a:effectLst>
+          </p:spPr>
+          <p:style>
+            <a:lnRef idx="2">
+              <a:schemeClr val="accent1">
+                <a:shade val="50000"/>
+              </a:schemeClr>
+            </a:lnRef>
+            <a:fillRef idx="1">
+              <a:schemeClr val="accent1"/>
+            </a:fillRef>
+            <a:effectRef idx="0">
+              <a:schemeClr val="accent1"/>
+            </a:effectRef>
+            <a:fontRef idx="minor">
+              <a:schemeClr val="lt1"/>
+            </a:fontRef>
+          </p:style>
+          <p:txBody>
+            <a:bodyPr rtlCol="0" anchor="ctr"/>
+            <a:lstStyle/>
+            <a:p>
+              <a:pPr algn="ctr"/>
+              <a:endParaRPr kumimoji="1" lang="ja-JP" altLang="en-US">
+                <a:solidFill>
                   <a:schemeClr val="tx1"/>
-                </a:innerShdw>
-              </a:effectLst>
-            </p:spPr>
-            <p:style>
-              <a:lnRef idx="2">
-                <a:schemeClr val="accent1">
-                  <a:shade val="50000"/>
-                </a:schemeClr>
-              </a:lnRef>
-              <a:fillRef idx="1">
-                <a:schemeClr val="accent1"/>
-              </a:fillRef>
-              <a:effectRef idx="0">
-                <a:schemeClr val="accent1"/>
-              </a:effectRef>
-              <a:fontRef idx="minor">
-                <a:schemeClr val="lt1"/>
-              </a:fontRef>
-            </p:style>
-            <p:txBody>
-              <a:bodyPr rtlCol="0" anchor="ctr"/>
-              <a:lstStyle/>
-              <a:p>
-                <a:pPr algn="ctr"/>
-                <a:endParaRPr kumimoji="1" lang="ja-JP" altLang="en-US"/>
-              </a:p>
-            </p:txBody>
-          </p:sp>
-          <p:sp>
-            <p:nvSpPr>
-              <p:cNvPr id="72" name="山形 71"/>
-              <p:cNvSpPr/>
-              <p:nvPr/>
-            </p:nvSpPr>
-            <p:spPr>
-              <a:xfrm rot="10800000">
-                <a:off x="7664599" y="4669604"/>
-                <a:ext cx="162674" cy="196850"/>
-              </a:xfrm>
-              <a:prstGeom prst="chevron">
-                <a:avLst/>
-              </a:prstGeom>
-              <a:ln>
-                <a:noFill/>
-              </a:ln>
-              <a:effectLst>
-                <a:innerShdw blurRad="38100">
-                  <a:prstClr val="black"/>
-                </a:innerShdw>
-              </a:effectLst>
-            </p:spPr>
-            <p:style>
-              <a:lnRef idx="2">
-                <a:schemeClr val="accent1">
-                  <a:shade val="50000"/>
-                </a:schemeClr>
-              </a:lnRef>
-              <a:fillRef idx="1">
-                <a:schemeClr val="accent1"/>
-              </a:fillRef>
-              <a:effectRef idx="0">
-                <a:schemeClr val="accent1"/>
-              </a:effectRef>
-              <a:fontRef idx="minor">
-                <a:schemeClr val="lt1"/>
-              </a:fontRef>
-            </p:style>
-            <p:txBody>
-              <a:bodyPr rtlCol="0" anchor="ctr"/>
-              <a:lstStyle/>
-              <a:p>
-                <a:pPr algn="ctr"/>
-                <a:endParaRPr kumimoji="1" lang="ja-JP" altLang="en-US">
-                  <a:solidFill>
-                    <a:schemeClr val="tx1"/>
-                  </a:solidFill>
-                </a:endParaRPr>
-              </a:p>
-            </p:txBody>
-          </p:sp>
-        </p:grpSp>
-        <p:grpSp>
-          <p:nvGrpSpPr>
-            <p:cNvPr id="81" name="グループ化 80"/>
-            <p:cNvGrpSpPr/>
+                </a:solidFill>
+              </a:endParaRPr>
+            </a:p>
+          </p:txBody>
+        </p:sp>
+      </p:grpSp>
+      <p:grpSp>
+        <p:nvGrpSpPr>
+          <p:cNvPr id="81" name="グループ化 80"/>
+          <p:cNvGrpSpPr/>
+          <p:nvPr/>
+        </p:nvGrpSpPr>
+        <p:grpSpPr>
+          <a:xfrm>
+            <a:off x="4633111" y="3902299"/>
+            <a:ext cx="449351" cy="449351"/>
+            <a:chOff x="4110459" y="4543354"/>
+            <a:chExt cx="449351" cy="449351"/>
+          </a:xfrm>
+        </p:grpSpPr>
+        <p:sp>
+          <p:nvSpPr>
+            <p:cNvPr id="74" name="円/楕円 73"/>
+            <p:cNvSpPr/>
             <p:nvPr/>
-          </p:nvGrpSpPr>
-          <p:grpSpPr>
+          </p:nvSpPr>
+          <p:spPr>
             <a:xfrm>
               <a:off x="4110459" y="4543354"/>
               <a:ext cx="449351" cy="449351"/>
-              <a:chOff x="4110459" y="4543354"/>
-              <a:chExt cx="449351" cy="449351"/>
             </a:xfrm>
-          </p:grpSpPr>
-          <p:sp>
-            <p:nvSpPr>
-              <p:cNvPr id="74" name="円/楕円 73"/>
-              <p:cNvSpPr/>
-              <p:nvPr/>
-            </p:nvSpPr>
-            <p:spPr>
-              <a:xfrm>
-                <a:off x="4110459" y="4543354"/>
-                <a:ext cx="449351" cy="449351"/>
-              </a:xfrm>
-              <a:prstGeom prst="ellipse">
-                <a:avLst/>
-              </a:prstGeom>
-              <a:solidFill>
-                <a:schemeClr val="bg1"/>
-              </a:solidFill>
-              <a:effectLst>
-                <a:innerShdw blurRad="114300">
-                  <a:schemeClr val="tx1"/>
-                </a:innerShdw>
-              </a:effectLst>
-            </p:spPr>
-            <p:style>
-              <a:lnRef idx="2">
-                <a:schemeClr val="accent1">
-                  <a:shade val="50000"/>
-                </a:schemeClr>
-              </a:lnRef>
-              <a:fillRef idx="1">
-                <a:schemeClr val="accent1"/>
-              </a:fillRef>
-              <a:effectRef idx="0">
-                <a:schemeClr val="accent1"/>
-              </a:effectRef>
-              <a:fontRef idx="minor">
-                <a:schemeClr val="lt1"/>
-              </a:fontRef>
-            </p:style>
-            <p:txBody>
-              <a:bodyPr rtlCol="0" anchor="ctr"/>
-              <a:lstStyle/>
-              <a:p>
-                <a:pPr algn="ctr"/>
-                <a:endParaRPr kumimoji="1" lang="ja-JP" altLang="en-US"/>
-              </a:p>
-            </p:txBody>
-          </p:sp>
-          <p:sp>
-            <p:nvSpPr>
-              <p:cNvPr id="75" name="正方形/長方形 74"/>
-              <p:cNvSpPr/>
-              <p:nvPr/>
-            </p:nvSpPr>
-            <p:spPr>
-              <a:xfrm>
-                <a:off x="4215651" y="4668589"/>
-                <a:ext cx="45719" cy="198882"/>
-              </a:xfrm>
-              <a:prstGeom prst="rect">
-                <a:avLst/>
-              </a:prstGeom>
-              <a:ln>
-                <a:noFill/>
-              </a:ln>
-              <a:effectLst>
-                <a:innerShdw blurRad="38100">
-                  <a:prstClr val="black"/>
-                </a:innerShdw>
-              </a:effectLst>
-            </p:spPr>
-            <p:style>
-              <a:lnRef idx="2">
-                <a:schemeClr val="accent1">
-                  <a:shade val="50000"/>
-                </a:schemeClr>
-              </a:lnRef>
-              <a:fillRef idx="1">
-                <a:schemeClr val="accent1"/>
-              </a:fillRef>
-              <a:effectRef idx="0">
-                <a:schemeClr val="accent1"/>
-              </a:effectRef>
-              <a:fontRef idx="minor">
-                <a:schemeClr val="lt1"/>
-              </a:fontRef>
-            </p:style>
-            <p:txBody>
-              <a:bodyPr rtlCol="0" anchor="ctr"/>
-              <a:lstStyle/>
-              <a:p>
-                <a:pPr algn="ctr"/>
-                <a:endParaRPr kumimoji="1" lang="ja-JP" altLang="en-US"/>
-              </a:p>
-            </p:txBody>
-          </p:sp>
-          <p:sp>
-            <p:nvSpPr>
-              <p:cNvPr id="76" name="二等辺三角形 75"/>
-              <p:cNvSpPr/>
-              <p:nvPr/>
-            </p:nvSpPr>
-            <p:spPr>
-              <a:xfrm rot="5400000">
-                <a:off x="4283320" y="4696172"/>
-                <a:ext cx="198882" cy="143713"/>
-              </a:xfrm>
-              <a:prstGeom prst="triangle">
-                <a:avLst/>
-              </a:prstGeom>
-              <a:ln>
-                <a:noFill/>
-              </a:ln>
-              <a:effectLst>
-                <a:innerShdw blurRad="38100">
-                  <a:prstClr val="black"/>
-                </a:innerShdw>
-              </a:effectLst>
-            </p:spPr>
-            <p:style>
-              <a:lnRef idx="2">
-                <a:schemeClr val="accent1">
-                  <a:shade val="50000"/>
-                </a:schemeClr>
-              </a:lnRef>
-              <a:fillRef idx="1">
-                <a:schemeClr val="accent1"/>
-              </a:fillRef>
-              <a:effectRef idx="0">
-                <a:schemeClr val="accent1"/>
-              </a:effectRef>
-              <a:fontRef idx="minor">
-                <a:schemeClr val="lt1"/>
-              </a:fontRef>
-            </p:style>
-            <p:txBody>
-              <a:bodyPr rtlCol="0" anchor="ctr"/>
-              <a:lstStyle/>
-              <a:p>
-                <a:pPr algn="ctr"/>
-                <a:endParaRPr kumimoji="1" lang="ja-JP" altLang="en-US"/>
-              </a:p>
-            </p:txBody>
-          </p:sp>
-        </p:grpSp>
-        <p:grpSp>
-          <p:nvGrpSpPr>
-            <p:cNvPr id="83" name="グループ化 82"/>
-            <p:cNvGrpSpPr/>
+            <a:prstGeom prst="ellipse">
+              <a:avLst/>
+            </a:prstGeom>
+            <a:solidFill>
+              <a:schemeClr val="bg1"/>
+            </a:solidFill>
+            <a:effectLst>
+              <a:innerShdw blurRad="114300">
+                <a:schemeClr val="tx1"/>
+              </a:innerShdw>
+            </a:effectLst>
+          </p:spPr>
+          <p:style>
+            <a:lnRef idx="2">
+              <a:schemeClr val="accent1">
+                <a:shade val="50000"/>
+              </a:schemeClr>
+            </a:lnRef>
+            <a:fillRef idx="1">
+              <a:schemeClr val="accent1"/>
+            </a:fillRef>
+            <a:effectRef idx="0">
+              <a:schemeClr val="accent1"/>
+            </a:effectRef>
+            <a:fontRef idx="minor">
+              <a:schemeClr val="lt1"/>
+            </a:fontRef>
+          </p:style>
+          <p:txBody>
+            <a:bodyPr rtlCol="0" anchor="ctr"/>
+            <a:lstStyle/>
+            <a:p>
+              <a:pPr algn="ctr"/>
+              <a:endParaRPr kumimoji="1" lang="ja-JP" altLang="en-US"/>
+            </a:p>
+          </p:txBody>
+        </p:sp>
+        <p:sp>
+          <p:nvSpPr>
+            <p:cNvPr id="75" name="正方形/長方形 74"/>
+            <p:cNvSpPr/>
             <p:nvPr/>
-          </p:nvGrpSpPr>
-          <p:grpSpPr>
+          </p:nvSpPr>
+          <p:spPr>
+            <a:xfrm>
+              <a:off x="4215651" y="4668589"/>
+              <a:ext cx="45719" cy="198882"/>
+            </a:xfrm>
+            <a:prstGeom prst="rect">
+              <a:avLst/>
+            </a:prstGeom>
+            <a:ln>
+              <a:noFill/>
+            </a:ln>
+            <a:effectLst>
+              <a:innerShdw blurRad="38100">
+                <a:prstClr val="black"/>
+              </a:innerShdw>
+            </a:effectLst>
+          </p:spPr>
+          <p:style>
+            <a:lnRef idx="2">
+              <a:schemeClr val="accent1">
+                <a:shade val="50000"/>
+              </a:schemeClr>
+            </a:lnRef>
+            <a:fillRef idx="1">
+              <a:schemeClr val="accent1"/>
+            </a:fillRef>
+            <a:effectRef idx="0">
+              <a:schemeClr val="accent1"/>
+            </a:effectRef>
+            <a:fontRef idx="minor">
+              <a:schemeClr val="lt1"/>
+            </a:fontRef>
+          </p:style>
+          <p:txBody>
+            <a:bodyPr rtlCol="0" anchor="ctr"/>
+            <a:lstStyle/>
+            <a:p>
+              <a:pPr algn="ctr"/>
+              <a:endParaRPr kumimoji="1" lang="ja-JP" altLang="en-US"/>
+            </a:p>
+          </p:txBody>
+        </p:sp>
+        <p:sp>
+          <p:nvSpPr>
+            <p:cNvPr id="76" name="二等辺三角形 75"/>
+            <p:cNvSpPr/>
+            <p:nvPr/>
+          </p:nvSpPr>
+          <p:spPr>
+            <a:xfrm rot="5400000">
+              <a:off x="4283320" y="4696172"/>
+              <a:ext cx="198882" cy="143713"/>
+            </a:xfrm>
+            <a:prstGeom prst="triangle">
+              <a:avLst/>
+            </a:prstGeom>
+            <a:ln>
+              <a:noFill/>
+            </a:ln>
+            <a:effectLst>
+              <a:innerShdw blurRad="38100">
+                <a:prstClr val="black"/>
+              </a:innerShdw>
+            </a:effectLst>
+          </p:spPr>
+          <p:style>
+            <a:lnRef idx="2">
+              <a:schemeClr val="accent1">
+                <a:shade val="50000"/>
+              </a:schemeClr>
+            </a:lnRef>
+            <a:fillRef idx="1">
+              <a:schemeClr val="accent1"/>
+            </a:fillRef>
+            <a:effectRef idx="0">
+              <a:schemeClr val="accent1"/>
+            </a:effectRef>
+            <a:fontRef idx="minor">
+              <a:schemeClr val="lt1"/>
+            </a:fontRef>
+          </p:style>
+          <p:txBody>
+            <a:bodyPr rtlCol="0" anchor="ctr"/>
+            <a:lstStyle/>
+            <a:p>
+              <a:pPr algn="ctr"/>
+              <a:endParaRPr kumimoji="1" lang="ja-JP" altLang="en-US"/>
+            </a:p>
+          </p:txBody>
+        </p:sp>
+      </p:grpSp>
+      <p:grpSp>
+        <p:nvGrpSpPr>
+          <p:cNvPr id="83" name="グループ化 82"/>
+          <p:cNvGrpSpPr/>
+          <p:nvPr/>
+        </p:nvGrpSpPr>
+        <p:grpSpPr>
+          <a:xfrm>
+            <a:off x="5997431" y="3902299"/>
+            <a:ext cx="449351" cy="449351"/>
+            <a:chOff x="5474779" y="4543354"/>
+            <a:chExt cx="449351" cy="449351"/>
+          </a:xfrm>
+        </p:grpSpPr>
+        <p:sp>
+          <p:nvSpPr>
+            <p:cNvPr id="78" name="円/楕円 77"/>
+            <p:cNvSpPr/>
+            <p:nvPr/>
+          </p:nvSpPr>
+          <p:spPr>
             <a:xfrm>
               <a:off x="5474779" y="4543354"/>
               <a:ext cx="449351" cy="449351"/>
-              <a:chOff x="5474779" y="4543354"/>
-              <a:chExt cx="449351" cy="449351"/>
             </a:xfrm>
-          </p:grpSpPr>
-          <p:sp>
-            <p:nvSpPr>
-              <p:cNvPr id="78" name="円/楕円 77"/>
-              <p:cNvSpPr/>
-              <p:nvPr/>
-            </p:nvSpPr>
-            <p:spPr>
-              <a:xfrm>
-                <a:off x="5474779" y="4543354"/>
-                <a:ext cx="449351" cy="449351"/>
-              </a:xfrm>
-              <a:prstGeom prst="ellipse">
-                <a:avLst/>
-              </a:prstGeom>
-              <a:solidFill>
-                <a:schemeClr val="bg1"/>
-              </a:solidFill>
-              <a:effectLst>
-                <a:innerShdw blurRad="114300">
-                  <a:schemeClr val="tx1"/>
-                </a:innerShdw>
-              </a:effectLst>
-            </p:spPr>
-            <p:style>
-              <a:lnRef idx="2">
-                <a:schemeClr val="accent1">
-                  <a:shade val="50000"/>
-                </a:schemeClr>
-              </a:lnRef>
-              <a:fillRef idx="1">
-                <a:schemeClr val="accent1"/>
-              </a:fillRef>
-              <a:effectRef idx="0">
-                <a:schemeClr val="accent1"/>
-              </a:effectRef>
-              <a:fontRef idx="minor">
-                <a:schemeClr val="lt1"/>
-              </a:fontRef>
-            </p:style>
-            <p:txBody>
-              <a:bodyPr rtlCol="0" anchor="ctr"/>
-              <a:lstStyle/>
-              <a:p>
-                <a:pPr algn="ctr"/>
-                <a:endParaRPr kumimoji="1" lang="ja-JP" altLang="en-US"/>
-              </a:p>
-            </p:txBody>
-          </p:sp>
-          <p:sp>
-            <p:nvSpPr>
-              <p:cNvPr id="79" name="正方形/長方形 78"/>
-              <p:cNvSpPr/>
-              <p:nvPr/>
-            </p:nvSpPr>
-            <p:spPr>
-              <a:xfrm>
-                <a:off x="5720095" y="4696778"/>
-                <a:ext cx="45943" cy="142503"/>
-              </a:xfrm>
-              <a:prstGeom prst="rect">
-                <a:avLst/>
-              </a:prstGeom>
-              <a:ln>
-                <a:noFill/>
-              </a:ln>
-              <a:effectLst>
-                <a:innerShdw blurRad="38100">
-                  <a:prstClr val="black"/>
-                </a:innerShdw>
-              </a:effectLst>
-            </p:spPr>
-            <p:style>
-              <a:lnRef idx="2">
-                <a:schemeClr val="accent1">
-                  <a:shade val="50000"/>
-                </a:schemeClr>
-              </a:lnRef>
-              <a:fillRef idx="1">
-                <a:schemeClr val="accent1"/>
-              </a:fillRef>
-              <a:effectRef idx="0">
-                <a:schemeClr val="accent1"/>
-              </a:effectRef>
-              <a:fontRef idx="minor">
-                <a:schemeClr val="lt1"/>
-              </a:fontRef>
-            </p:style>
-            <p:txBody>
-              <a:bodyPr rtlCol="0" anchor="ctr"/>
-              <a:lstStyle/>
-              <a:p>
-                <a:pPr algn="ctr"/>
-                <a:endParaRPr kumimoji="1" lang="ja-JP" altLang="en-US"/>
-              </a:p>
-            </p:txBody>
-          </p:sp>
-          <p:sp>
-            <p:nvSpPr>
-              <p:cNvPr id="80" name="正方形/長方形 79"/>
-              <p:cNvSpPr/>
-              <p:nvPr/>
-            </p:nvSpPr>
-            <p:spPr>
-              <a:xfrm>
-                <a:off x="5632871" y="4696778"/>
-                <a:ext cx="45943" cy="142503"/>
-              </a:xfrm>
-              <a:prstGeom prst="rect">
-                <a:avLst/>
-              </a:prstGeom>
-              <a:ln>
-                <a:noFill/>
-              </a:ln>
-              <a:effectLst>
-                <a:innerShdw blurRad="38100">
-                  <a:prstClr val="black"/>
-                </a:innerShdw>
-              </a:effectLst>
-            </p:spPr>
-            <p:style>
-              <a:lnRef idx="2">
-                <a:schemeClr val="accent1">
-                  <a:shade val="50000"/>
-                </a:schemeClr>
-              </a:lnRef>
-              <a:fillRef idx="1">
-                <a:schemeClr val="accent1"/>
-              </a:fillRef>
-              <a:effectRef idx="0">
-                <a:schemeClr val="accent1"/>
-              </a:effectRef>
-              <a:fontRef idx="minor">
-                <a:schemeClr val="lt1"/>
-              </a:fontRef>
-            </p:style>
-            <p:txBody>
-              <a:bodyPr rtlCol="0" anchor="ctr"/>
-              <a:lstStyle/>
-              <a:p>
-                <a:pPr algn="ctr"/>
-                <a:endParaRPr kumimoji="1" lang="ja-JP" altLang="en-US"/>
-              </a:p>
-            </p:txBody>
-          </p:sp>
-        </p:grpSp>
+            <a:prstGeom prst="ellipse">
+              <a:avLst/>
+            </a:prstGeom>
+            <a:solidFill>
+              <a:schemeClr val="bg1"/>
+            </a:solidFill>
+            <a:effectLst>
+              <a:innerShdw blurRad="114300">
+                <a:schemeClr val="tx1"/>
+              </a:innerShdw>
+            </a:effectLst>
+          </p:spPr>
+          <p:style>
+            <a:lnRef idx="2">
+              <a:schemeClr val="accent1">
+                <a:shade val="50000"/>
+              </a:schemeClr>
+            </a:lnRef>
+            <a:fillRef idx="1">
+              <a:schemeClr val="accent1"/>
+            </a:fillRef>
+            <a:effectRef idx="0">
+              <a:schemeClr val="accent1"/>
+            </a:effectRef>
+            <a:fontRef idx="minor">
+              <a:schemeClr val="lt1"/>
+            </a:fontRef>
+          </p:style>
+          <p:txBody>
+            <a:bodyPr rtlCol="0" anchor="ctr"/>
+            <a:lstStyle/>
+            <a:p>
+              <a:pPr algn="ctr"/>
+              <a:endParaRPr kumimoji="1" lang="ja-JP" altLang="en-US"/>
+            </a:p>
+          </p:txBody>
+        </p:sp>
+        <p:sp>
+          <p:nvSpPr>
+            <p:cNvPr id="79" name="正方形/長方形 78"/>
+            <p:cNvSpPr/>
+            <p:nvPr/>
+          </p:nvSpPr>
+          <p:spPr>
+            <a:xfrm>
+              <a:off x="5720095" y="4696778"/>
+              <a:ext cx="45943" cy="142503"/>
+            </a:xfrm>
+            <a:prstGeom prst="rect">
+              <a:avLst/>
+            </a:prstGeom>
+            <a:ln>
+              <a:noFill/>
+            </a:ln>
+            <a:effectLst>
+              <a:innerShdw blurRad="38100">
+                <a:prstClr val="black"/>
+              </a:innerShdw>
+            </a:effectLst>
+          </p:spPr>
+          <p:style>
+            <a:lnRef idx="2">
+              <a:schemeClr val="accent1">
+                <a:shade val="50000"/>
+              </a:schemeClr>
+            </a:lnRef>
+            <a:fillRef idx="1">
+              <a:schemeClr val="accent1"/>
+            </a:fillRef>
+            <a:effectRef idx="0">
+              <a:schemeClr val="accent1"/>
+            </a:effectRef>
+            <a:fontRef idx="minor">
+              <a:schemeClr val="lt1"/>
+            </a:fontRef>
+          </p:style>
+          <p:txBody>
+            <a:bodyPr rtlCol="0" anchor="ctr"/>
+            <a:lstStyle/>
+            <a:p>
+              <a:pPr algn="ctr"/>
+              <a:endParaRPr kumimoji="1" lang="ja-JP" altLang="en-US"/>
+            </a:p>
+          </p:txBody>
+        </p:sp>
+        <p:sp>
+          <p:nvSpPr>
+            <p:cNvPr id="80" name="正方形/長方形 79"/>
+            <p:cNvSpPr/>
+            <p:nvPr/>
+          </p:nvSpPr>
+          <p:spPr>
+            <a:xfrm>
+              <a:off x="5632871" y="4696778"/>
+              <a:ext cx="45943" cy="142503"/>
+            </a:xfrm>
+            <a:prstGeom prst="rect">
+              <a:avLst/>
+            </a:prstGeom>
+            <a:ln>
+              <a:noFill/>
+            </a:ln>
+            <a:effectLst>
+              <a:innerShdw blurRad="38100">
+                <a:prstClr val="black"/>
+              </a:innerShdw>
+            </a:effectLst>
+          </p:spPr>
+          <p:style>
+            <a:lnRef idx="2">
+              <a:schemeClr val="accent1">
+                <a:shade val="50000"/>
+              </a:schemeClr>
+            </a:lnRef>
+            <a:fillRef idx="1">
+              <a:schemeClr val="accent1"/>
+            </a:fillRef>
+            <a:effectRef idx="0">
+              <a:schemeClr val="accent1"/>
+            </a:effectRef>
+            <a:fontRef idx="minor">
+              <a:schemeClr val="lt1"/>
+            </a:fontRef>
+          </p:style>
+          <p:txBody>
+            <a:bodyPr rtlCol="0" anchor="ctr"/>
+            <a:lstStyle/>
+            <a:p>
+              <a:pPr algn="ctr"/>
+              <a:endParaRPr kumimoji="1" lang="ja-JP" altLang="en-US"/>
+            </a:p>
+          </p:txBody>
+        </p:sp>
       </p:grpSp>
       <p:sp>
         <p:nvSpPr>
@@ -47546,7 +47598,7 @@
 </file>
 
 <file path=customXml/itemProps1.xml><?xml version="1.0" encoding="utf-8"?>
-<ds:datastoreItem xmlns:ds="http://schemas.openxmlformats.org/officeDocument/2006/customXml" ds:itemID="{DAB80DB6-04D5-4C9D-A0CD-11327F3254DE}">
+<ds:datastoreItem xmlns:ds="http://schemas.openxmlformats.org/officeDocument/2006/customXml" ds:itemID="{05265F6D-CE72-460B-879D-EE037537C5EF}">
   <ds:schemaRefs>
     <ds:schemaRef ds:uri="http://schemas.microsoft.com/VisualStudio/2011/storyboarding/control"/>
   </ds:schemaRefs>
@@ -47562,7 +47614,7 @@
 </file>
 
 <file path=customXml/itemProps3.xml><?xml version="1.0" encoding="utf-8"?>
-<ds:datastoreItem xmlns:ds="http://schemas.openxmlformats.org/officeDocument/2006/customXml" ds:itemID="{05265F6D-CE72-460B-879D-EE037537C5EF}">
+<ds:datastoreItem xmlns:ds="http://schemas.openxmlformats.org/officeDocument/2006/customXml" ds:itemID="{DAB80DB6-04D5-4C9D-A0CD-11327F3254DE}">
   <ds:schemaRefs>
     <ds:schemaRef ds:uri="http://schemas.microsoft.com/VisualStudio/2011/storyboarding/control"/>
   </ds:schemaRefs>
@@ -47570,7 +47622,7 @@
 </file>
 
 <file path=customXml/itemProps4.xml><?xml version="1.0" encoding="utf-8"?>
-<ds:datastoreItem xmlns:ds="http://schemas.openxmlformats.org/officeDocument/2006/customXml" ds:itemID="{76EDB56B-F2AD-4D5F-9E72-6FA301623D97}">
+<ds:datastoreItem xmlns:ds="http://schemas.openxmlformats.org/officeDocument/2006/customXml" ds:itemID="{C346F743-213D-4226-A3A2-388889A5DACE}">
   <ds:schemaRefs>
     <ds:schemaRef ds:uri="http://schemas.microsoft.com/VisualStudio/2011/storyboarding/control"/>
   </ds:schemaRefs>
@@ -47586,7 +47638,7 @@
 </file>
 
 <file path=customXml/itemProps6.xml><?xml version="1.0" encoding="utf-8"?>
-<ds:datastoreItem xmlns:ds="http://schemas.openxmlformats.org/officeDocument/2006/customXml" ds:itemID="{C346F743-213D-4226-A3A2-388889A5DACE}">
+<ds:datastoreItem xmlns:ds="http://schemas.openxmlformats.org/officeDocument/2006/customXml" ds:itemID="{76EDB56B-F2AD-4D5F-9E72-6FA301623D97}">
   <ds:schemaRefs>
     <ds:schemaRef ds:uri="http://schemas.microsoft.com/VisualStudio/2011/storyboarding/control"/>
   </ds:schemaRefs>
